--- a/Presentación PFM.pptx
+++ b/Presentación PFM.pptx
@@ -5,35 +5,37 @@
     <p:sldMasterId id="2147484036" r:id="rId1"/>
   </p:sldMasterIdLst>
   <p:notesMasterIdLst>
-    <p:notesMasterId r:id="rId28"/>
+    <p:notesMasterId r:id="rId30"/>
   </p:notesMasterIdLst>
   <p:sldIdLst>
     <p:sldId id="256" r:id="rId2"/>
     <p:sldId id="257" r:id="rId3"/>
-    <p:sldId id="258" r:id="rId4"/>
-    <p:sldId id="312" r:id="rId5"/>
-    <p:sldId id="259" r:id="rId6"/>
+    <p:sldId id="259" r:id="rId4"/>
+    <p:sldId id="258" r:id="rId5"/>
+    <p:sldId id="312" r:id="rId6"/>
     <p:sldId id="269" r:id="rId7"/>
     <p:sldId id="261" r:id="rId8"/>
     <p:sldId id="314" r:id="rId9"/>
     <p:sldId id="262" r:id="rId10"/>
-    <p:sldId id="264" r:id="rId11"/>
-    <p:sldId id="315" r:id="rId12"/>
-    <p:sldId id="316" r:id="rId13"/>
-    <p:sldId id="318" r:id="rId14"/>
-    <p:sldId id="319" r:id="rId15"/>
-    <p:sldId id="320" r:id="rId16"/>
-    <p:sldId id="321" r:id="rId17"/>
-    <p:sldId id="322" r:id="rId18"/>
-    <p:sldId id="323" r:id="rId19"/>
-    <p:sldId id="324" r:id="rId20"/>
-    <p:sldId id="327" r:id="rId21"/>
-    <p:sldId id="326" r:id="rId22"/>
-    <p:sldId id="325" r:id="rId23"/>
-    <p:sldId id="328" r:id="rId24"/>
-    <p:sldId id="329" r:id="rId25"/>
-    <p:sldId id="330" r:id="rId26"/>
-    <p:sldId id="311" r:id="rId27"/>
+    <p:sldId id="331" r:id="rId11"/>
+    <p:sldId id="264" r:id="rId12"/>
+    <p:sldId id="315" r:id="rId13"/>
+    <p:sldId id="316" r:id="rId14"/>
+    <p:sldId id="318" r:id="rId15"/>
+    <p:sldId id="319" r:id="rId16"/>
+    <p:sldId id="320" r:id="rId17"/>
+    <p:sldId id="321" r:id="rId18"/>
+    <p:sldId id="322" r:id="rId19"/>
+    <p:sldId id="323" r:id="rId20"/>
+    <p:sldId id="324" r:id="rId21"/>
+    <p:sldId id="327" r:id="rId22"/>
+    <p:sldId id="326" r:id="rId23"/>
+    <p:sldId id="325" r:id="rId24"/>
+    <p:sldId id="328" r:id="rId25"/>
+    <p:sldId id="329" r:id="rId26"/>
+    <p:sldId id="330" r:id="rId27"/>
+    <p:sldId id="332" r:id="rId28"/>
+    <p:sldId id="311" r:id="rId29"/>
   </p:sldIdLst>
   <p:sldSz cx="12192000" cy="6858000"/>
   <p:notesSz cx="6858000" cy="9144000"/>
@@ -8578,10 +8580,10 @@
             </a:lnSpc>
           </a:pPr>
           <a:r>
-            <a:rPr lang="es-ES"/>
+            <a:rPr lang="es-ES" dirty="0"/>
             <a:t>Análisis de datos</a:t>
           </a:r>
-          <a:endParaRPr lang="en-US"/>
+          <a:endParaRPr lang="en-US" dirty="0"/>
         </a:p>
       </dgm:t>
     </dgm:pt>
@@ -8625,10 +8627,10 @@
             </a:lnSpc>
           </a:pPr>
           <a:r>
-            <a:rPr lang="es-ES"/>
+            <a:rPr lang="es-ES" dirty="0"/>
             <a:t>Monitorización de la plataforma</a:t>
           </a:r>
-          <a:endParaRPr lang="en-US"/>
+          <a:endParaRPr lang="en-US" dirty="0"/>
         </a:p>
       </dgm:t>
     </dgm:pt>
@@ -8672,10 +8674,10 @@
             </a:lnSpc>
           </a:pPr>
           <a:r>
-            <a:rPr lang="es-ES"/>
+            <a:rPr lang="es-ES" dirty="0"/>
             <a:t>Seguridad</a:t>
           </a:r>
-          <a:endParaRPr lang="en-US"/>
+          <a:endParaRPr lang="en-US" dirty="0"/>
         </a:p>
       </dgm:t>
     </dgm:pt>
@@ -8719,10 +8721,10 @@
             </a:lnSpc>
           </a:pPr>
           <a:r>
-            <a:rPr lang="es-ES"/>
+            <a:rPr lang="es-ES" dirty="0"/>
             <a:t>Privacidad</a:t>
           </a:r>
-          <a:endParaRPr lang="en-US"/>
+          <a:endParaRPr lang="en-US" dirty="0"/>
         </a:p>
       </dgm:t>
     </dgm:pt>
@@ -9151,7 +9153,7 @@
 <dgm:dataModel xmlns:dgm="http://schemas.openxmlformats.org/drawingml/2006/diagram" xmlns:a="http://schemas.openxmlformats.org/drawingml/2006/main">
   <dgm:ptLst>
     <dgm:pt modelId="{FAE12C72-6DFC-4E07-9578-FF47AB861F15}" type="doc">
-      <dgm:prSet loTypeId="urn:microsoft.com/office/officeart/2005/8/layout/vList5" loCatId="list" qsTypeId="urn:microsoft.com/office/officeart/2005/8/quickstyle/simple4" qsCatId="simple" csTypeId="urn:microsoft.com/office/officeart/2005/8/colors/colorful2" csCatId="colorful"/>
+      <dgm:prSet loTypeId="urn:microsoft.com/office/officeart/2005/8/layout/vList5" loCatId="list" qsTypeId="urn:microsoft.com/office/officeart/2005/8/quickstyle/simple4" qsCatId="simple" csTypeId="urn:microsoft.com/office/officeart/2005/8/colors/colorful2" csCatId="colorful" phldr="1"/>
       <dgm:spPr/>
       <dgm:t>
         <a:bodyPr/>
@@ -9317,10 +9319,10 @@
         <a:lstStyle/>
         <a:p>
           <a:r>
-            <a:rPr lang="es-ES" b="0" i="0"/>
-            <a:t>Networking Integración con herramientas y servicios</a:t>
+            <a:rPr lang="es-ES" b="0" i="0" dirty="0" err="1"/>
+            <a:t>Networking</a:t>
           </a:r>
-          <a:endParaRPr lang="en-US"/>
+          <a:endParaRPr lang="en-US" dirty="0"/>
         </a:p>
       </dgm:t>
     </dgm:pt>
@@ -14141,10 +14143,10 @@
             <a:buNone/>
           </a:pPr>
           <a:r>
-            <a:rPr lang="es-ES" sz="1900" kern="1200"/>
+            <a:rPr lang="es-ES" sz="1900" kern="1200" dirty="0"/>
             <a:t>Análisis de datos</a:t>
           </a:r>
-          <a:endParaRPr lang="en-US" sz="1900" kern="1200"/>
+          <a:endParaRPr lang="en-US" sz="1900" kern="1200" dirty="0"/>
         </a:p>
       </dsp:txBody>
       <dsp:txXfrm>
@@ -14291,10 +14293,10 @@
             <a:buNone/>
           </a:pPr>
           <a:r>
-            <a:rPr lang="es-ES" sz="1900" kern="1200"/>
+            <a:rPr lang="es-ES" sz="1900" kern="1200" dirty="0"/>
             <a:t>Monitorización de la plataforma</a:t>
           </a:r>
-          <a:endParaRPr lang="en-US" sz="1900" kern="1200"/>
+          <a:endParaRPr lang="en-US" sz="1900" kern="1200" dirty="0"/>
         </a:p>
       </dsp:txBody>
       <dsp:txXfrm>
@@ -14441,10 +14443,10 @@
             <a:buNone/>
           </a:pPr>
           <a:r>
-            <a:rPr lang="es-ES" sz="1900" kern="1200"/>
+            <a:rPr lang="es-ES" sz="1900" kern="1200" dirty="0"/>
             <a:t>Seguridad</a:t>
           </a:r>
-          <a:endParaRPr lang="en-US" sz="1900" kern="1200"/>
+          <a:endParaRPr lang="en-US" sz="1900" kern="1200" dirty="0"/>
         </a:p>
       </dsp:txBody>
       <dsp:txXfrm>
@@ -14591,10 +14593,10 @@
             <a:buNone/>
           </a:pPr>
           <a:r>
-            <a:rPr lang="es-ES" sz="1900" kern="1200"/>
+            <a:rPr lang="es-ES" sz="1900" kern="1200" dirty="0"/>
             <a:t>Privacidad</a:t>
           </a:r>
-          <a:endParaRPr lang="en-US" sz="1900" kern="1200"/>
+          <a:endParaRPr lang="en-US" sz="1900" kern="1200" dirty="0"/>
         </a:p>
       </dsp:txBody>
       <dsp:txXfrm>
@@ -15103,10 +15105,10 @@
             <a:buNone/>
           </a:pPr>
           <a:r>
-            <a:rPr lang="es-ES" sz="2300" b="0" i="0" kern="1200"/>
-            <a:t>Networking Integración con herramientas y servicios</a:t>
+            <a:rPr lang="es-ES" sz="2300" b="0" i="0" kern="1200" dirty="0" err="1"/>
+            <a:t>Networking</a:t>
           </a:r>
-          <a:endParaRPr lang="en-US" sz="2300" kern="1200"/>
+          <a:endParaRPr lang="en-US" sz="2300" kern="1200" dirty="0"/>
         </a:p>
       </dsp:txBody>
       <dsp:txXfrm>
@@ -30919,7 +30921,7 @@
           <a:p>
             <a:fld id="{E7E3B36D-0549-4F87-B418-59A609DD42A0}" type="datetimeFigureOut">
               <a:rPr lang="es-ES" smtClean="0"/>
-              <a:t>16/07/2023</a:t>
+              <a:t>17/07/2023</a:t>
             </a:fld>
             <a:endParaRPr lang="es-ES"/>
           </a:p>
@@ -31078,7 +31080,7 @@
           <a:p>
             <a:fld id="{1C05CAA5-1AFC-4AC0-AD18-DF0FCF286167}" type="slidenum">
               <a:rPr lang="es-ES" smtClean="0"/>
-              <a:t>‹Nº›</a:t>
+              <a:t>‹#›</a:t>
             </a:fld>
             <a:endParaRPr lang="es-ES"/>
           </a:p>
@@ -31231,6 +31233,14 @@
           <a:bodyPr/>
           <a:lstStyle/>
           <a:p>
+            <a:r>
+              <a:rPr lang="es-ES" dirty="0"/>
+              <a:t>Describir el </a:t>
+            </a:r>
+            <a:r>
+              <a:rPr lang="es-ES" dirty="0" err="1"/>
+              <a:t>indice</a:t>
+            </a:r>
             <a:endParaRPr lang="es-ES" dirty="0"/>
           </a:p>
         </p:txBody>
@@ -31272,6 +31282,404 @@
 </file>
 
 <file path=ppt/notesSlides/notesSlide10.xml><?xml version="1.0" encoding="utf-8"?>
+<p:notes xmlns:a="http://schemas.openxmlformats.org/drawingml/2006/main" xmlns:r="http://schemas.openxmlformats.org/officeDocument/2006/relationships" xmlns:p="http://schemas.openxmlformats.org/presentationml/2006/main">
+  <p:cSld>
+    <p:spTree>
+      <p:nvGrpSpPr>
+        <p:cNvPr id="1" name=""/>
+        <p:cNvGrpSpPr/>
+        <p:nvPr/>
+      </p:nvGrpSpPr>
+      <p:grpSpPr>
+        <a:xfrm>
+          <a:off x="0" y="0"/>
+          <a:ext cx="0" cy="0"/>
+          <a:chOff x="0" y="0"/>
+          <a:chExt cx="0" cy="0"/>
+        </a:xfrm>
+      </p:grpSpPr>
+      <p:sp>
+        <p:nvSpPr>
+          <p:cNvPr id="2" name="Marcador de imagen de diapositiva 1"/>
+          <p:cNvSpPr>
+            <a:spLocks noGrp="1" noRot="1" noChangeAspect="1"/>
+          </p:cNvSpPr>
+          <p:nvPr>
+            <p:ph type="sldImg"/>
+          </p:nvPr>
+        </p:nvSpPr>
+        <p:spPr/>
+      </p:sp>
+      <p:sp>
+        <p:nvSpPr>
+          <p:cNvPr id="3" name="Marcador de notas 2"/>
+          <p:cNvSpPr>
+            <a:spLocks noGrp="1"/>
+          </p:cNvSpPr>
+          <p:nvPr>
+            <p:ph type="body" idx="1"/>
+          </p:nvPr>
+        </p:nvSpPr>
+        <p:spPr/>
+        <p:txBody>
+          <a:bodyPr/>
+          <a:lstStyle/>
+          <a:p>
+            <a:pPr marL="228600" indent="-228600">
+              <a:buAutoNum type="arabicPeriod"/>
+            </a:pPr>
+            <a:r>
+              <a:rPr lang="es-ES" b="0" i="0" dirty="0">
+                <a:solidFill>
+                  <a:srgbClr val="ECECF1"/>
+                </a:solidFill>
+                <a:effectLst/>
+                <a:latin typeface="Söhne"/>
+              </a:rPr>
+              <a:t>Escalado automático: </a:t>
+            </a:r>
+            <a:r>
+              <a:rPr lang="es-ES" b="0" i="0" dirty="0" err="1">
+                <a:solidFill>
+                  <a:srgbClr val="ECECF1"/>
+                </a:solidFill>
+                <a:effectLst/>
+                <a:latin typeface="Söhne"/>
+              </a:rPr>
+              <a:t>Kubernetes</a:t>
+            </a:r>
+            <a:r>
+              <a:rPr lang="es-ES" b="0" i="0" dirty="0">
+                <a:solidFill>
+                  <a:srgbClr val="ECECF1"/>
+                </a:solidFill>
+                <a:effectLst/>
+                <a:latin typeface="Söhne"/>
+              </a:rPr>
+              <a:t> permite escalar automáticamente las aplicaciones en función de la demanda, aumentando o disminuyendo el número de réplicas de los contenedores según las métricas de rendimiento establecidas. </a:t>
+            </a:r>
+          </a:p>
+          <a:p>
+            <a:pPr marL="228600" indent="-228600">
+              <a:buAutoNum type="arabicPeriod"/>
+            </a:pPr>
+            <a:r>
+              <a:rPr lang="es-ES" b="0" i="0" dirty="0">
+                <a:solidFill>
+                  <a:srgbClr val="ECECF1"/>
+                </a:solidFill>
+                <a:effectLst/>
+                <a:latin typeface="Söhne"/>
+              </a:rPr>
+              <a:t>Alta disponibilidad: </a:t>
+            </a:r>
+            <a:r>
+              <a:rPr lang="es-ES" b="0" i="0" dirty="0" err="1">
+                <a:solidFill>
+                  <a:srgbClr val="ECECF1"/>
+                </a:solidFill>
+                <a:effectLst/>
+                <a:latin typeface="Söhne"/>
+              </a:rPr>
+              <a:t>Kubernetes</a:t>
+            </a:r>
+            <a:r>
+              <a:rPr lang="es-ES" b="0" i="0" dirty="0">
+                <a:solidFill>
+                  <a:srgbClr val="ECECF1"/>
+                </a:solidFill>
+                <a:effectLst/>
+                <a:latin typeface="Söhne"/>
+              </a:rPr>
+              <a:t> garantiza que las aplicaciones estén siempre disponibles, incluso en caso de fallos en los nodos del clúster. Si un nodo falla, </a:t>
+            </a:r>
+            <a:r>
+              <a:rPr lang="es-ES" b="0" i="0" dirty="0" err="1">
+                <a:solidFill>
+                  <a:srgbClr val="ECECF1"/>
+                </a:solidFill>
+                <a:effectLst/>
+                <a:latin typeface="Söhne"/>
+              </a:rPr>
+              <a:t>Kubernetes</a:t>
+            </a:r>
+            <a:r>
+              <a:rPr lang="es-ES" b="0" i="0" dirty="0">
+                <a:solidFill>
+                  <a:srgbClr val="ECECF1"/>
+                </a:solidFill>
+                <a:effectLst/>
+                <a:latin typeface="Söhne"/>
+              </a:rPr>
+              <a:t> reprograma automáticamente los contenedores en otros nodos saludables. </a:t>
+            </a:r>
+          </a:p>
+          <a:p>
+            <a:pPr marL="228600" indent="-228600">
+              <a:buAutoNum type="arabicPeriod"/>
+            </a:pPr>
+            <a:r>
+              <a:rPr lang="es-ES" b="0" i="0" dirty="0">
+                <a:solidFill>
+                  <a:srgbClr val="ECECF1"/>
+                </a:solidFill>
+                <a:effectLst/>
+                <a:latin typeface="Söhne"/>
+              </a:rPr>
+              <a:t>Despliegue declarativo: Se define el estado deseado de la aplicación y </a:t>
+            </a:r>
+            <a:r>
+              <a:rPr lang="es-ES" b="0" i="0" dirty="0" err="1">
+                <a:solidFill>
+                  <a:srgbClr val="ECECF1"/>
+                </a:solidFill>
+                <a:effectLst/>
+                <a:latin typeface="Söhne"/>
+              </a:rPr>
+              <a:t>Kubernetes</a:t>
+            </a:r>
+            <a:r>
+              <a:rPr lang="es-ES" b="0" i="0" dirty="0">
+                <a:solidFill>
+                  <a:srgbClr val="ECECF1"/>
+                </a:solidFill>
+                <a:effectLst/>
+                <a:latin typeface="Söhne"/>
+              </a:rPr>
+              <a:t> se encarga de mantener el estado actual en línea con el estado deseado, gestionando las actualizaciones y las versiones de las aplicaciones de forma transparente. </a:t>
+            </a:r>
+          </a:p>
+          <a:p>
+            <a:pPr marL="228600" indent="-228600">
+              <a:buAutoNum type="arabicPeriod"/>
+            </a:pPr>
+            <a:r>
+              <a:rPr lang="es-ES" b="0" i="0" dirty="0">
+                <a:solidFill>
+                  <a:srgbClr val="ECECF1"/>
+                </a:solidFill>
+                <a:effectLst/>
+                <a:latin typeface="Söhne"/>
+              </a:rPr>
+              <a:t>Gestión del almacenamiento: </a:t>
+            </a:r>
+            <a:r>
+              <a:rPr lang="es-ES" b="0" i="0" dirty="0" err="1">
+                <a:solidFill>
+                  <a:srgbClr val="ECECF1"/>
+                </a:solidFill>
+                <a:effectLst/>
+                <a:latin typeface="Söhne"/>
+              </a:rPr>
+              <a:t>Kubernetes</a:t>
+            </a:r>
+            <a:r>
+              <a:rPr lang="es-ES" b="0" i="0" dirty="0">
+                <a:solidFill>
+                  <a:srgbClr val="ECECF1"/>
+                </a:solidFill>
+                <a:effectLst/>
+                <a:latin typeface="Söhne"/>
+              </a:rPr>
+              <a:t> ofrece una gestión flexible y automatizada del almacenamiento persistente para los contenedores, permitiendo que los datos se mantengan de manera segura y accesible. </a:t>
+            </a:r>
+          </a:p>
+          <a:p>
+            <a:pPr marL="228600" indent="-228600">
+              <a:buAutoNum type="arabicPeriod"/>
+            </a:pPr>
+            <a:r>
+              <a:rPr lang="es-ES" b="0" i="0" dirty="0" err="1">
+                <a:solidFill>
+                  <a:srgbClr val="ECECF1"/>
+                </a:solidFill>
+                <a:effectLst/>
+                <a:latin typeface="Söhne"/>
+              </a:rPr>
+              <a:t>Networking</a:t>
+            </a:r>
+            <a:r>
+              <a:rPr lang="es-ES" b="0" i="0" dirty="0">
+                <a:solidFill>
+                  <a:srgbClr val="ECECF1"/>
+                </a:solidFill>
+                <a:effectLst/>
+                <a:latin typeface="Söhne"/>
+              </a:rPr>
+              <a:t>: </a:t>
+            </a:r>
+            <a:r>
+              <a:rPr lang="es-ES" b="0" i="0" dirty="0" err="1">
+                <a:solidFill>
+                  <a:srgbClr val="ECECF1"/>
+                </a:solidFill>
+                <a:effectLst/>
+                <a:latin typeface="Söhne"/>
+              </a:rPr>
+              <a:t>Kubernetes</a:t>
+            </a:r>
+            <a:r>
+              <a:rPr lang="es-ES" b="0" i="0" dirty="0">
+                <a:solidFill>
+                  <a:srgbClr val="ECECF1"/>
+                </a:solidFill>
+                <a:effectLst/>
+                <a:latin typeface="Söhne"/>
+              </a:rPr>
+              <a:t> proporciona una infraestructura de red virtual que permite la comunicación entre los contenedores y los servicios dentro del clúster, facilitando la conectividad y el enrutamiento. </a:t>
+            </a:r>
+          </a:p>
+        </p:txBody>
+      </p:sp>
+      <p:sp>
+        <p:nvSpPr>
+          <p:cNvPr id="4" name="Marcador de número de diapositiva 3"/>
+          <p:cNvSpPr>
+            <a:spLocks noGrp="1"/>
+          </p:cNvSpPr>
+          <p:nvPr>
+            <p:ph type="sldNum" sz="quarter" idx="5"/>
+          </p:nvPr>
+        </p:nvSpPr>
+        <p:spPr/>
+        <p:txBody>
+          <a:bodyPr/>
+          <a:lstStyle/>
+          <a:p>
+            <a:fld id="{1C05CAA5-1AFC-4AC0-AD18-DF0FCF286167}" type="slidenum">
+              <a:rPr lang="es-ES" smtClean="0"/>
+              <a:t>13</a:t>
+            </a:fld>
+            <a:endParaRPr lang="es-ES"/>
+          </a:p>
+        </p:txBody>
+      </p:sp>
+    </p:spTree>
+    <p:extLst>
+      <p:ext uri="{BB962C8B-B14F-4D97-AF65-F5344CB8AC3E}">
+        <p14:creationId xmlns:p14="http://schemas.microsoft.com/office/powerpoint/2010/main" val="2821717277"/>
+      </p:ext>
+    </p:extLst>
+  </p:cSld>
+  <p:clrMapOvr>
+    <a:masterClrMapping/>
+  </p:clrMapOvr>
+</p:notes>
+</file>
+
+<file path=ppt/notesSlides/notesSlide11.xml><?xml version="1.0" encoding="utf-8"?>
+<p:notes xmlns:a="http://schemas.openxmlformats.org/drawingml/2006/main" xmlns:r="http://schemas.openxmlformats.org/officeDocument/2006/relationships" xmlns:p="http://schemas.openxmlformats.org/presentationml/2006/main">
+  <p:cSld>
+    <p:spTree>
+      <p:nvGrpSpPr>
+        <p:cNvPr id="1" name=""/>
+        <p:cNvGrpSpPr/>
+        <p:nvPr/>
+      </p:nvGrpSpPr>
+      <p:grpSpPr>
+        <a:xfrm>
+          <a:off x="0" y="0"/>
+          <a:ext cx="0" cy="0"/>
+          <a:chOff x="0" y="0"/>
+          <a:chExt cx="0" cy="0"/>
+        </a:xfrm>
+      </p:grpSpPr>
+      <p:sp>
+        <p:nvSpPr>
+          <p:cNvPr id="2" name="Marcador de imagen de diapositiva 1"/>
+          <p:cNvSpPr>
+            <a:spLocks noGrp="1" noRot="1" noChangeAspect="1"/>
+          </p:cNvSpPr>
+          <p:nvPr>
+            <p:ph type="sldImg"/>
+          </p:nvPr>
+        </p:nvSpPr>
+        <p:spPr/>
+      </p:sp>
+      <p:sp>
+        <p:nvSpPr>
+          <p:cNvPr id="3" name="Marcador de notas 2"/>
+          <p:cNvSpPr>
+            <a:spLocks noGrp="1"/>
+          </p:cNvSpPr>
+          <p:nvPr>
+            <p:ph type="body" idx="1"/>
+          </p:nvPr>
+        </p:nvSpPr>
+        <p:spPr/>
+        <p:txBody>
+          <a:bodyPr/>
+          <a:lstStyle/>
+          <a:p>
+            <a:pPr marL="228600" indent="-228600">
+              <a:buAutoNum type="arabicPeriod"/>
+            </a:pPr>
+            <a:r>
+              <a:rPr lang="es-ES" dirty="0"/>
+              <a:t>Y K3S, que es una distribución de </a:t>
+            </a:r>
+            <a:r>
+              <a:rPr lang="es-ES" dirty="0" err="1"/>
+              <a:t>kubernetes</a:t>
+            </a:r>
+            <a:r>
+              <a:rPr lang="es-ES" dirty="0"/>
+              <a:t> ligera y que usaremos en este proyecto, nos aporta respecto a </a:t>
+            </a:r>
+            <a:r>
+              <a:rPr lang="es-ES" dirty="0" err="1"/>
+              <a:t>kubernetes</a:t>
+            </a:r>
+            <a:r>
+              <a:rPr lang="es-ES"/>
+              <a:t>:</a:t>
+            </a:r>
+          </a:p>
+          <a:p>
+            <a:pPr marL="685800" lvl="1" indent="-228600">
+              <a:buAutoNum type="arabicPeriod"/>
+            </a:pPr>
+            <a:endParaRPr lang="es-ES" dirty="0"/>
+          </a:p>
+        </p:txBody>
+      </p:sp>
+      <p:sp>
+        <p:nvSpPr>
+          <p:cNvPr id="4" name="Marcador de número de diapositiva 3"/>
+          <p:cNvSpPr>
+            <a:spLocks noGrp="1"/>
+          </p:cNvSpPr>
+          <p:nvPr>
+            <p:ph type="sldNum" sz="quarter" idx="5"/>
+          </p:nvPr>
+        </p:nvSpPr>
+        <p:spPr/>
+        <p:txBody>
+          <a:bodyPr/>
+          <a:lstStyle/>
+          <a:p>
+            <a:fld id="{1C05CAA5-1AFC-4AC0-AD18-DF0FCF286167}" type="slidenum">
+              <a:rPr lang="es-ES" smtClean="0"/>
+              <a:t>14</a:t>
+            </a:fld>
+            <a:endParaRPr lang="es-ES"/>
+          </a:p>
+        </p:txBody>
+      </p:sp>
+    </p:spTree>
+    <p:extLst>
+      <p:ext uri="{BB962C8B-B14F-4D97-AF65-F5344CB8AC3E}">
+        <p14:creationId xmlns:p14="http://schemas.microsoft.com/office/powerpoint/2010/main" val="3153402130"/>
+      </p:ext>
+    </p:extLst>
+  </p:cSld>
+  <p:clrMapOvr>
+    <a:masterClrMapping/>
+  </p:clrMapOvr>
+</p:notes>
+</file>
+
+<file path=ppt/notesSlides/notesSlide12.xml><?xml version="1.0" encoding="utf-8"?>
 <p:notes xmlns:a="http://schemas.openxmlformats.org/drawingml/2006/main" xmlns:r="http://schemas.openxmlformats.org/officeDocument/2006/relationships" xmlns:p="http://schemas.openxmlformats.org/presentationml/2006/main">
   <p:cSld>
     <p:spTree>
@@ -31403,7 +31811,7 @@
           <a:p>
             <a:fld id="{1C05CAA5-1AFC-4AC0-AD18-DF0FCF286167}" type="slidenum">
               <a:rPr lang="es-ES" smtClean="0"/>
-              <a:t>15</a:t>
+              <a:t>16</a:t>
             </a:fld>
             <a:endParaRPr lang="es-ES"/>
           </a:p>
@@ -31422,7 +31830,7 @@
 </p:notes>
 </file>
 
-<file path=ppt/notesSlides/notesSlide11.xml><?xml version="1.0" encoding="utf-8"?>
+<file path=ppt/notesSlides/notesSlide13.xml><?xml version="1.0" encoding="utf-8"?>
 <p:notes xmlns:a="http://schemas.openxmlformats.org/drawingml/2006/main" xmlns:r="http://schemas.openxmlformats.org/officeDocument/2006/relationships" xmlns:p="http://schemas.openxmlformats.org/presentationml/2006/main">
   <p:cSld>
     <p:spTree>
@@ -31490,7 +31898,7 @@
           <a:p>
             <a:fld id="{1C05CAA5-1AFC-4AC0-AD18-DF0FCF286167}" type="slidenum">
               <a:rPr lang="es-ES" smtClean="0"/>
-              <a:t>16</a:t>
+              <a:t>17</a:t>
             </a:fld>
             <a:endParaRPr lang="es-ES"/>
           </a:p>
@@ -31509,7 +31917,7 @@
 </p:notes>
 </file>
 
-<file path=ppt/notesSlides/notesSlide12.xml><?xml version="1.0" encoding="utf-8"?>
+<file path=ppt/notesSlides/notesSlide14.xml><?xml version="1.0" encoding="utf-8"?>
 <p:notes xmlns:a="http://schemas.openxmlformats.org/drawingml/2006/main" xmlns:r="http://schemas.openxmlformats.org/officeDocument/2006/relationships" xmlns:p="http://schemas.openxmlformats.org/presentationml/2006/main">
   <p:cSld>
     <p:spTree>
@@ -31574,7 +31982,7 @@
           <a:p>
             <a:fld id="{1C05CAA5-1AFC-4AC0-AD18-DF0FCF286167}" type="slidenum">
               <a:rPr lang="es-ES" smtClean="0"/>
-              <a:t>17</a:t>
+              <a:t>18</a:t>
             </a:fld>
             <a:endParaRPr lang="es-ES"/>
           </a:p>
@@ -31593,7 +32001,7 @@
 </p:notes>
 </file>
 
-<file path=ppt/notesSlides/notesSlide13.xml><?xml version="1.0" encoding="utf-8"?>
+<file path=ppt/notesSlides/notesSlide15.xml><?xml version="1.0" encoding="utf-8"?>
 <p:notes xmlns:a="http://schemas.openxmlformats.org/drawingml/2006/main" xmlns:r="http://schemas.openxmlformats.org/officeDocument/2006/relationships" xmlns:p="http://schemas.openxmlformats.org/presentationml/2006/main">
   <p:cSld>
     <p:spTree>
@@ -31658,7 +32066,7 @@
           <a:p>
             <a:fld id="{1C05CAA5-1AFC-4AC0-AD18-DF0FCF286167}" type="slidenum">
               <a:rPr lang="es-ES" smtClean="0"/>
-              <a:t>19</a:t>
+              <a:t>20</a:t>
             </a:fld>
             <a:endParaRPr lang="es-ES"/>
           </a:p>
@@ -31677,7 +32085,7 @@
 </p:notes>
 </file>
 
-<file path=ppt/notesSlides/notesSlide14.xml><?xml version="1.0" encoding="utf-8"?>
+<file path=ppt/notesSlides/notesSlide16.xml><?xml version="1.0" encoding="utf-8"?>
 <p:notes xmlns:a="http://schemas.openxmlformats.org/drawingml/2006/main" xmlns:r="http://schemas.openxmlformats.org/officeDocument/2006/relationships" xmlns:p="http://schemas.openxmlformats.org/presentationml/2006/main">
   <p:cSld>
     <p:spTree>
@@ -31745,7 +32153,7 @@
           <a:p>
             <a:fld id="{1C05CAA5-1AFC-4AC0-AD18-DF0FCF286167}" type="slidenum">
               <a:rPr lang="es-ES" smtClean="0"/>
-              <a:t>20</a:t>
+              <a:t>21</a:t>
             </a:fld>
             <a:endParaRPr lang="es-ES"/>
           </a:p>
@@ -31764,7 +32172,7 @@
 </p:notes>
 </file>
 
-<file path=ppt/notesSlides/notesSlide15.xml><?xml version="1.0" encoding="utf-8"?>
+<file path=ppt/notesSlides/notesSlide17.xml><?xml version="1.0" encoding="utf-8"?>
 <p:notes xmlns:a="http://schemas.openxmlformats.org/drawingml/2006/main" xmlns:r="http://schemas.openxmlformats.org/officeDocument/2006/relationships" xmlns:p="http://schemas.openxmlformats.org/presentationml/2006/main">
   <p:cSld>
     <p:spTree>
@@ -31832,7 +32240,7 @@
           <a:p>
             <a:fld id="{1C05CAA5-1AFC-4AC0-AD18-DF0FCF286167}" type="slidenum">
               <a:rPr lang="es-ES" smtClean="0"/>
-              <a:t>22</a:t>
+              <a:t>23</a:t>
             </a:fld>
             <a:endParaRPr lang="es-ES"/>
           </a:p>
@@ -31851,7 +32259,7 @@
 </p:notes>
 </file>
 
-<file path=ppt/notesSlides/notesSlide2.xml><?xml version="1.0" encoding="utf-8"?>
+<file path=ppt/notesSlides/notesSlide18.xml><?xml version="1.0" encoding="utf-8"?>
 <p:notes xmlns:a="http://schemas.openxmlformats.org/drawingml/2006/main" xmlns:r="http://schemas.openxmlformats.org/officeDocument/2006/relationships" xmlns:p="http://schemas.openxmlformats.org/presentationml/2006/main">
   <p:cSld>
     <p:spTree>
@@ -31870,7 +32278,7 @@
       </p:grpSpPr>
       <p:sp>
         <p:nvSpPr>
-          <p:cNvPr id="2" name="Marcador de imagen de diapositiva 1"/>
+          <p:cNvPr id="2" name="Slide Image Placeholder 1"/>
           <p:cNvSpPr>
             <a:spLocks noGrp="1" noRot="1" noChangeAspect="1"/>
           </p:cNvSpPr>
@@ -31882,7 +32290,7 @@
       </p:sp>
       <p:sp>
         <p:nvSpPr>
-          <p:cNvPr id="3" name="Marcador de notas 2"/>
+          <p:cNvPr id="3" name="Notes Placeholder 2"/>
           <p:cNvSpPr>
             <a:spLocks noGrp="1"/>
           </p:cNvSpPr>
@@ -31901,7 +32309,7 @@
       </p:sp>
       <p:sp>
         <p:nvSpPr>
-          <p:cNvPr id="4" name="Marcador de número de diapositiva 3"/>
+          <p:cNvPr id="4" name="Slide Number Placeholder 3"/>
           <p:cNvSpPr>
             <a:spLocks noGrp="1"/>
           </p:cNvSpPr>
@@ -31916,7 +32324,7 @@
           <a:p>
             <a:fld id="{1C05CAA5-1AFC-4AC0-AD18-DF0FCF286167}" type="slidenum">
               <a:rPr lang="es-ES" smtClean="0"/>
-              <a:t>3</a:t>
+              <a:t>27</a:t>
             </a:fld>
             <a:endParaRPr lang="es-ES"/>
           </a:p>
@@ -31925,7 +32333,7 @@
     </p:spTree>
     <p:extLst>
       <p:ext uri="{BB962C8B-B14F-4D97-AF65-F5344CB8AC3E}">
-        <p14:creationId xmlns:p14="http://schemas.microsoft.com/office/powerpoint/2010/main" val="2390176339"/>
+        <p14:creationId xmlns:p14="http://schemas.microsoft.com/office/powerpoint/2010/main" val="3453162644"/>
       </p:ext>
     </p:extLst>
   </p:cSld>
@@ -31935,91 +32343,7 @@
 </p:notes>
 </file>
 
-<file path=ppt/notesSlides/notesSlide3.xml><?xml version="1.0" encoding="utf-8"?>
-<p:notes xmlns:a="http://schemas.openxmlformats.org/drawingml/2006/main" xmlns:r="http://schemas.openxmlformats.org/officeDocument/2006/relationships" xmlns:p="http://schemas.openxmlformats.org/presentationml/2006/main">
-  <p:cSld>
-    <p:spTree>
-      <p:nvGrpSpPr>
-        <p:cNvPr id="1" name=""/>
-        <p:cNvGrpSpPr/>
-        <p:nvPr/>
-      </p:nvGrpSpPr>
-      <p:grpSpPr>
-        <a:xfrm>
-          <a:off x="0" y="0"/>
-          <a:ext cx="0" cy="0"/>
-          <a:chOff x="0" y="0"/>
-          <a:chExt cx="0" cy="0"/>
-        </a:xfrm>
-      </p:grpSpPr>
-      <p:sp>
-        <p:nvSpPr>
-          <p:cNvPr id="2" name="Marcador de imagen de diapositiva 1"/>
-          <p:cNvSpPr>
-            <a:spLocks noGrp="1" noRot="1" noChangeAspect="1"/>
-          </p:cNvSpPr>
-          <p:nvPr>
-            <p:ph type="sldImg"/>
-          </p:nvPr>
-        </p:nvSpPr>
-        <p:spPr/>
-      </p:sp>
-      <p:sp>
-        <p:nvSpPr>
-          <p:cNvPr id="3" name="Marcador de notas 2"/>
-          <p:cNvSpPr>
-            <a:spLocks noGrp="1"/>
-          </p:cNvSpPr>
-          <p:nvPr>
-            <p:ph type="body" idx="1"/>
-          </p:nvPr>
-        </p:nvSpPr>
-        <p:spPr/>
-        <p:txBody>
-          <a:bodyPr/>
-          <a:lstStyle/>
-          <a:p>
-            <a:endParaRPr lang="es-ES" dirty="0"/>
-          </a:p>
-        </p:txBody>
-      </p:sp>
-      <p:sp>
-        <p:nvSpPr>
-          <p:cNvPr id="4" name="Marcador de número de diapositiva 3"/>
-          <p:cNvSpPr>
-            <a:spLocks noGrp="1"/>
-          </p:cNvSpPr>
-          <p:nvPr>
-            <p:ph type="sldNum" sz="quarter" idx="5"/>
-          </p:nvPr>
-        </p:nvSpPr>
-        <p:spPr/>
-        <p:txBody>
-          <a:bodyPr/>
-          <a:lstStyle/>
-          <a:p>
-            <a:fld id="{1C05CAA5-1AFC-4AC0-AD18-DF0FCF286167}" type="slidenum">
-              <a:rPr lang="es-ES" smtClean="0"/>
-              <a:t>4</a:t>
-            </a:fld>
-            <a:endParaRPr lang="es-ES"/>
-          </a:p>
-        </p:txBody>
-      </p:sp>
-    </p:spTree>
-    <p:extLst>
-      <p:ext uri="{BB962C8B-B14F-4D97-AF65-F5344CB8AC3E}">
-        <p14:creationId xmlns:p14="http://schemas.microsoft.com/office/powerpoint/2010/main" val="1241814520"/>
-      </p:ext>
-    </p:extLst>
-  </p:cSld>
-  <p:clrMapOvr>
-    <a:masterClrMapping/>
-  </p:clrMapOvr>
-</p:notes>
-</file>
-
-<file path=ppt/notesSlides/notesSlide4.xml><?xml version="1.0" encoding="utf-8"?>
+<file path=ppt/notesSlides/notesSlide2.xml><?xml version="1.0" encoding="utf-8"?>
 <p:notes xmlns:a="http://schemas.openxmlformats.org/drawingml/2006/main" xmlns:r="http://schemas.openxmlformats.org/officeDocument/2006/relationships" xmlns:p="http://schemas.openxmlformats.org/presentationml/2006/main">
   <p:cSld>
     <p:spTree>
@@ -32291,6 +32615,200 @@
           <a:p>
             <a:fld id="{1C05CAA5-1AFC-4AC0-AD18-DF0FCF286167}" type="slidenum">
               <a:rPr lang="es-ES" smtClean="0"/>
+              <a:t>3</a:t>
+            </a:fld>
+            <a:endParaRPr lang="es-ES"/>
+          </a:p>
+        </p:txBody>
+      </p:sp>
+    </p:spTree>
+    <p:extLst>
+      <p:ext uri="{BB962C8B-B14F-4D97-AF65-F5344CB8AC3E}">
+        <p14:creationId xmlns:p14="http://schemas.microsoft.com/office/powerpoint/2010/main" val="1473632869"/>
+      </p:ext>
+    </p:extLst>
+  </p:cSld>
+  <p:clrMapOvr>
+    <a:masterClrMapping/>
+  </p:clrMapOvr>
+</p:notes>
+</file>
+
+<file path=ppt/notesSlides/notesSlide3.xml><?xml version="1.0" encoding="utf-8"?>
+<p:notes xmlns:a="http://schemas.openxmlformats.org/drawingml/2006/main" xmlns:r="http://schemas.openxmlformats.org/officeDocument/2006/relationships" xmlns:p="http://schemas.openxmlformats.org/presentationml/2006/main">
+  <p:cSld>
+    <p:spTree>
+      <p:nvGrpSpPr>
+        <p:cNvPr id="1" name=""/>
+        <p:cNvGrpSpPr/>
+        <p:nvPr/>
+      </p:nvGrpSpPr>
+      <p:grpSpPr>
+        <a:xfrm>
+          <a:off x="0" y="0"/>
+          <a:ext cx="0" cy="0"/>
+          <a:chOff x="0" y="0"/>
+          <a:chExt cx="0" cy="0"/>
+        </a:xfrm>
+      </p:grpSpPr>
+      <p:sp>
+        <p:nvSpPr>
+          <p:cNvPr id="2" name="Marcador de imagen de diapositiva 1"/>
+          <p:cNvSpPr>
+            <a:spLocks noGrp="1" noRot="1" noChangeAspect="1"/>
+          </p:cNvSpPr>
+          <p:nvPr>
+            <p:ph type="sldImg"/>
+          </p:nvPr>
+        </p:nvSpPr>
+        <p:spPr/>
+      </p:sp>
+      <p:sp>
+        <p:nvSpPr>
+          <p:cNvPr id="3" name="Marcador de notas 2"/>
+          <p:cNvSpPr>
+            <a:spLocks noGrp="1"/>
+          </p:cNvSpPr>
+          <p:nvPr>
+            <p:ph type="body" idx="1"/>
+          </p:nvPr>
+        </p:nvSpPr>
+        <p:spPr/>
+        <p:txBody>
+          <a:bodyPr/>
+          <a:lstStyle/>
+          <a:p>
+            <a:r>
+              <a:rPr lang="es-ES" dirty="0"/>
+              <a:t>Repasamos los objetivos uno a uno</a:t>
+            </a:r>
+          </a:p>
+        </p:txBody>
+      </p:sp>
+      <p:sp>
+        <p:nvSpPr>
+          <p:cNvPr id="4" name="Marcador de número de diapositiva 3"/>
+          <p:cNvSpPr>
+            <a:spLocks noGrp="1"/>
+          </p:cNvSpPr>
+          <p:nvPr>
+            <p:ph type="sldNum" sz="quarter" idx="5"/>
+          </p:nvPr>
+        </p:nvSpPr>
+        <p:spPr/>
+        <p:txBody>
+          <a:bodyPr/>
+          <a:lstStyle/>
+          <a:p>
+            <a:fld id="{1C05CAA5-1AFC-4AC0-AD18-DF0FCF286167}" type="slidenum">
+              <a:rPr lang="es-ES" smtClean="0"/>
+              <a:t>4</a:t>
+            </a:fld>
+            <a:endParaRPr lang="es-ES"/>
+          </a:p>
+        </p:txBody>
+      </p:sp>
+    </p:spTree>
+    <p:extLst>
+      <p:ext uri="{BB962C8B-B14F-4D97-AF65-F5344CB8AC3E}">
+        <p14:creationId xmlns:p14="http://schemas.microsoft.com/office/powerpoint/2010/main" val="2390176339"/>
+      </p:ext>
+    </p:extLst>
+  </p:cSld>
+  <p:clrMapOvr>
+    <a:masterClrMapping/>
+  </p:clrMapOvr>
+</p:notes>
+</file>
+
+<file path=ppt/notesSlides/notesSlide4.xml><?xml version="1.0" encoding="utf-8"?>
+<p:notes xmlns:a="http://schemas.openxmlformats.org/drawingml/2006/main" xmlns:r="http://schemas.openxmlformats.org/officeDocument/2006/relationships" xmlns:p="http://schemas.openxmlformats.org/presentationml/2006/main">
+  <p:cSld>
+    <p:spTree>
+      <p:nvGrpSpPr>
+        <p:cNvPr id="1" name=""/>
+        <p:cNvGrpSpPr/>
+        <p:nvPr/>
+      </p:nvGrpSpPr>
+      <p:grpSpPr>
+        <a:xfrm>
+          <a:off x="0" y="0"/>
+          <a:ext cx="0" cy="0"/>
+          <a:chOff x="0" y="0"/>
+          <a:chExt cx="0" cy="0"/>
+        </a:xfrm>
+      </p:grpSpPr>
+      <p:sp>
+        <p:nvSpPr>
+          <p:cNvPr id="2" name="Marcador de imagen de diapositiva 1"/>
+          <p:cNvSpPr>
+            <a:spLocks noGrp="1" noRot="1" noChangeAspect="1"/>
+          </p:cNvSpPr>
+          <p:nvPr>
+            <p:ph type="sldImg"/>
+          </p:nvPr>
+        </p:nvSpPr>
+        <p:spPr/>
+      </p:sp>
+      <p:sp>
+        <p:nvSpPr>
+          <p:cNvPr id="3" name="Marcador de notas 2"/>
+          <p:cNvSpPr>
+            <a:spLocks noGrp="1"/>
+          </p:cNvSpPr>
+          <p:nvPr>
+            <p:ph type="body" idx="1"/>
+          </p:nvPr>
+        </p:nvSpPr>
+        <p:spPr/>
+        <p:txBody>
+          <a:bodyPr/>
+          <a:lstStyle/>
+          <a:p>
+            <a:pPr marL="0" marR="0" lvl="0" indent="0" algn="l" defTabSz="914400" rtl="0" eaLnBrk="1" fontAlgn="auto" latinLnBrk="0" hangingPunct="1">
+              <a:lnSpc>
+                <a:spcPct val="100000"/>
+              </a:lnSpc>
+              <a:spcBef>
+                <a:spcPts val="0"/>
+              </a:spcBef>
+              <a:spcAft>
+                <a:spcPts val="0"/>
+              </a:spcAft>
+              <a:buClrTx/>
+              <a:buSzTx/>
+              <a:buFontTx/>
+              <a:buNone/>
+              <a:tabLst/>
+              <a:defRPr/>
+            </a:pPr>
+            <a:r>
+              <a:rPr lang="es-ES" dirty="0"/>
+              <a:t>Repasamos los objetivos uno a uno</a:t>
+            </a:r>
+          </a:p>
+          <a:p>
+            <a:endParaRPr lang="es-ES" dirty="0"/>
+          </a:p>
+        </p:txBody>
+      </p:sp>
+      <p:sp>
+        <p:nvSpPr>
+          <p:cNvPr id="4" name="Marcador de número de diapositiva 3"/>
+          <p:cNvSpPr>
+            <a:spLocks noGrp="1"/>
+          </p:cNvSpPr>
+          <p:nvPr>
+            <p:ph type="sldNum" sz="quarter" idx="5"/>
+          </p:nvPr>
+        </p:nvSpPr>
+        <p:spPr/>
+        <p:txBody>
+          <a:bodyPr/>
+          <a:lstStyle/>
+          <a:p>
+            <a:fld id="{1C05CAA5-1AFC-4AC0-AD18-DF0FCF286167}" type="slidenum">
+              <a:rPr lang="es-ES" smtClean="0"/>
               <a:t>5</a:t>
             </a:fld>
             <a:endParaRPr lang="es-ES"/>
@@ -32300,7 +32818,7 @@
     </p:spTree>
     <p:extLst>
       <p:ext uri="{BB962C8B-B14F-4D97-AF65-F5344CB8AC3E}">
-        <p14:creationId xmlns:p14="http://schemas.microsoft.com/office/powerpoint/2010/main" val="1473632869"/>
+        <p14:creationId xmlns:p14="http://schemas.microsoft.com/office/powerpoint/2010/main" val="1241814520"/>
       </p:ext>
     </p:extLst>
   </p:cSld>
@@ -32441,6 +32959,457 @@
           <a:bodyPr/>
           <a:lstStyle/>
           <a:p>
+            <a:pPr algn="l"/>
+            <a:r>
+              <a:rPr lang="es-ES" b="0" i="0" dirty="0">
+                <a:solidFill>
+                  <a:srgbClr val="374151"/>
+                </a:solidFill>
+                <a:effectLst/>
+                <a:latin typeface="Söhne"/>
+              </a:rPr>
+              <a:t>El Internet de las cosas, o </a:t>
+            </a:r>
+            <a:r>
+              <a:rPr lang="es-ES" b="0" i="0" dirty="0" err="1">
+                <a:solidFill>
+                  <a:srgbClr val="374151"/>
+                </a:solidFill>
+                <a:effectLst/>
+                <a:latin typeface="Söhne"/>
+              </a:rPr>
+              <a:t>IoT</a:t>
+            </a:r>
+            <a:r>
+              <a:rPr lang="es-ES" b="0" i="0" dirty="0">
+                <a:solidFill>
+                  <a:srgbClr val="374151"/>
+                </a:solidFill>
+                <a:effectLst/>
+                <a:latin typeface="Söhne"/>
+              </a:rPr>
+              <a:t>, es una red de dispositivos interconectados que recopilan y comparten datos para realizar tareas específicas. Esta red abarca una amplia gama de industrias y aplicaciones, y está cambiando la forma en que interactuamos con el mundo que nos rodea. Algunas de sus características son:</a:t>
+            </a:r>
+          </a:p>
+          <a:p>
+            <a:pPr algn="l"/>
+            <a:endParaRPr lang="es-ES" b="0" i="0" dirty="0">
+              <a:solidFill>
+                <a:srgbClr val="374151"/>
+              </a:solidFill>
+              <a:effectLst/>
+              <a:latin typeface="Söhne"/>
+            </a:endParaRPr>
+          </a:p>
+          <a:p>
+            <a:pPr algn="l"/>
+            <a:r>
+              <a:rPr lang="es-ES" b="0" i="0" dirty="0">
+                <a:solidFill>
+                  <a:srgbClr val="374151"/>
+                </a:solidFill>
+                <a:effectLst/>
+                <a:latin typeface="Söhne"/>
+              </a:rPr>
+              <a:t>El primer aspecto fundamental del </a:t>
+            </a:r>
+            <a:r>
+              <a:rPr lang="es-ES" b="0" i="0" dirty="0" err="1">
+                <a:solidFill>
+                  <a:srgbClr val="374151"/>
+                </a:solidFill>
+                <a:effectLst/>
+                <a:latin typeface="Söhne"/>
+              </a:rPr>
+              <a:t>IoT</a:t>
+            </a:r>
+            <a:r>
+              <a:rPr lang="es-ES" b="0" i="0" dirty="0">
+                <a:solidFill>
+                  <a:srgbClr val="374151"/>
+                </a:solidFill>
+                <a:effectLst/>
+                <a:latin typeface="Söhne"/>
+              </a:rPr>
+              <a:t> es la conectividad. Los dispositivos </a:t>
+            </a:r>
+            <a:r>
+              <a:rPr lang="es-ES" b="0" i="0" dirty="0" err="1">
+                <a:solidFill>
+                  <a:srgbClr val="374151"/>
+                </a:solidFill>
+                <a:effectLst/>
+                <a:latin typeface="Söhne"/>
+              </a:rPr>
+              <a:t>IoT</a:t>
+            </a:r>
+            <a:r>
+              <a:rPr lang="es-ES" b="0" i="0" dirty="0">
+                <a:solidFill>
+                  <a:srgbClr val="374151"/>
+                </a:solidFill>
+                <a:effectLst/>
+                <a:latin typeface="Söhne"/>
+              </a:rPr>
+              <a:t> se conectan entre sí y con el resto de la red a través de diversas tecnologías y protocolos de comunicación, como </a:t>
+            </a:r>
+            <a:r>
+              <a:rPr lang="es-ES" b="0" i="0" dirty="0" err="1">
+                <a:solidFill>
+                  <a:srgbClr val="374151"/>
+                </a:solidFill>
+                <a:effectLst/>
+                <a:latin typeface="Söhne"/>
+              </a:rPr>
+              <a:t>Wi</a:t>
+            </a:r>
+            <a:r>
+              <a:rPr lang="es-ES" b="0" i="0" dirty="0">
+                <a:solidFill>
+                  <a:srgbClr val="374151"/>
+                </a:solidFill>
+                <a:effectLst/>
+                <a:latin typeface="Söhne"/>
+              </a:rPr>
+              <a:t>-Fi, Bluetooth, RFID y muchas otras. Esta conectividad permite la transferencia de datos y comandos en tiempo real, creando un ecosistema de dispositivos </a:t>
+            </a:r>
+            <a:r>
+              <a:rPr lang="es-ES" b="0" i="0" dirty="0" err="1">
+                <a:solidFill>
+                  <a:srgbClr val="374151"/>
+                </a:solidFill>
+                <a:effectLst/>
+                <a:latin typeface="Söhne"/>
+              </a:rPr>
+              <a:t>heterogeneos</a:t>
+            </a:r>
+            <a:r>
+              <a:rPr lang="es-ES" b="0" i="0" dirty="0">
+                <a:solidFill>
+                  <a:srgbClr val="374151"/>
+                </a:solidFill>
+                <a:effectLst/>
+                <a:latin typeface="Söhne"/>
+              </a:rPr>
+              <a:t> interconectados.</a:t>
+            </a:r>
+          </a:p>
+          <a:p>
+            <a:pPr algn="l"/>
+            <a:endParaRPr lang="es-ES" b="0" i="0" dirty="0">
+              <a:solidFill>
+                <a:srgbClr val="374151"/>
+              </a:solidFill>
+              <a:effectLst/>
+              <a:latin typeface="Söhne"/>
+            </a:endParaRPr>
+          </a:p>
+          <a:p>
+            <a:pPr algn="l"/>
+            <a:r>
+              <a:rPr lang="es-ES" b="0" i="0" dirty="0">
+                <a:solidFill>
+                  <a:srgbClr val="374151"/>
+                </a:solidFill>
+                <a:effectLst/>
+                <a:latin typeface="Söhne"/>
+              </a:rPr>
+              <a:t>Otro aspecto importante del </a:t>
+            </a:r>
+            <a:r>
+              <a:rPr lang="es-ES" b="0" i="0" dirty="0" err="1">
+                <a:solidFill>
+                  <a:srgbClr val="374151"/>
+                </a:solidFill>
+                <a:effectLst/>
+                <a:latin typeface="Söhne"/>
+              </a:rPr>
+              <a:t>IoT</a:t>
+            </a:r>
+            <a:r>
+              <a:rPr lang="es-ES" b="0" i="0" dirty="0">
+                <a:solidFill>
+                  <a:srgbClr val="374151"/>
+                </a:solidFill>
+                <a:effectLst/>
+                <a:latin typeface="Söhne"/>
+              </a:rPr>
+              <a:t> es el análisis de datos. Los dispositivos </a:t>
+            </a:r>
+            <a:r>
+              <a:rPr lang="es-ES" b="0" i="0" dirty="0" err="1">
+                <a:solidFill>
+                  <a:srgbClr val="374151"/>
+                </a:solidFill>
+                <a:effectLst/>
+                <a:latin typeface="Söhne"/>
+              </a:rPr>
+              <a:t>IoT</a:t>
+            </a:r>
+            <a:r>
+              <a:rPr lang="es-ES" b="0" i="0" dirty="0">
+                <a:solidFill>
+                  <a:srgbClr val="374151"/>
+                </a:solidFill>
+                <a:effectLst/>
+                <a:latin typeface="Söhne"/>
+              </a:rPr>
+              <a:t> generan una gran cantidad de información que puede ser utilizada para extraer conocimientos valiosos. El análisis de datos en el </a:t>
+            </a:r>
+            <a:r>
+              <a:rPr lang="es-ES" b="0" i="0" dirty="0" err="1">
+                <a:solidFill>
+                  <a:srgbClr val="374151"/>
+                </a:solidFill>
+                <a:effectLst/>
+                <a:latin typeface="Söhne"/>
+              </a:rPr>
+              <a:t>IoT</a:t>
+            </a:r>
+            <a:r>
+              <a:rPr lang="es-ES" b="0" i="0" dirty="0">
+                <a:solidFill>
+                  <a:srgbClr val="374151"/>
+                </a:solidFill>
+                <a:effectLst/>
+                <a:latin typeface="Söhne"/>
+              </a:rPr>
+              <a:t> nos permite identificar patrones, tendencias y anomalías, lo que a su vez nos ayuda a tomar decisiones más informadas y eficientes.</a:t>
+            </a:r>
+          </a:p>
+          <a:p>
+            <a:pPr algn="l"/>
+            <a:endParaRPr lang="es-ES" b="0" i="0" dirty="0">
+              <a:solidFill>
+                <a:srgbClr val="374151"/>
+              </a:solidFill>
+              <a:effectLst/>
+              <a:latin typeface="Söhne"/>
+            </a:endParaRPr>
+          </a:p>
+          <a:p>
+            <a:pPr algn="l"/>
+            <a:r>
+              <a:rPr lang="es-ES" b="0" i="0" dirty="0">
+                <a:solidFill>
+                  <a:srgbClr val="374151"/>
+                </a:solidFill>
+                <a:effectLst/>
+                <a:latin typeface="Söhne"/>
+              </a:rPr>
+              <a:t>La seguridad es un tema crítico en el </a:t>
+            </a:r>
+            <a:r>
+              <a:rPr lang="es-ES" b="0" i="0" dirty="0" err="1">
+                <a:solidFill>
+                  <a:srgbClr val="374151"/>
+                </a:solidFill>
+                <a:effectLst/>
+                <a:latin typeface="Söhne"/>
+              </a:rPr>
+              <a:t>IoT</a:t>
+            </a:r>
+            <a:r>
+              <a:rPr lang="es-ES" b="0" i="0" dirty="0">
+                <a:solidFill>
+                  <a:srgbClr val="374151"/>
+                </a:solidFill>
+                <a:effectLst/>
+                <a:latin typeface="Söhne"/>
+              </a:rPr>
+              <a:t>. Con un número cada vez mayor de dispositivos conectados, es fundamental garantizar la protección de los datos y la privacidad de los usuarios. Las soluciones de seguridad en el </a:t>
+            </a:r>
+            <a:r>
+              <a:rPr lang="es-ES" b="0" i="0" dirty="0" err="1">
+                <a:solidFill>
+                  <a:srgbClr val="374151"/>
+                </a:solidFill>
+                <a:effectLst/>
+                <a:latin typeface="Söhne"/>
+              </a:rPr>
+              <a:t>IoT</a:t>
+            </a:r>
+            <a:r>
+              <a:rPr lang="es-ES" b="0" i="0" dirty="0">
+                <a:solidFill>
+                  <a:srgbClr val="374151"/>
+                </a:solidFill>
+                <a:effectLst/>
+                <a:latin typeface="Söhne"/>
+              </a:rPr>
+              <a:t> incluyen autenticación, encriptación y medidas de protección contra ataques cibernéticos. La seguridad debe ser una consideración prioritaria para garantizar la confianza y la integridad de los sistemas </a:t>
+            </a:r>
+            <a:r>
+              <a:rPr lang="es-ES" b="0" i="0" dirty="0" err="1">
+                <a:solidFill>
+                  <a:srgbClr val="374151"/>
+                </a:solidFill>
+                <a:effectLst/>
+                <a:latin typeface="Söhne"/>
+              </a:rPr>
+              <a:t>IoT</a:t>
+            </a:r>
+            <a:r>
+              <a:rPr lang="es-ES" b="0" i="0" dirty="0">
+                <a:solidFill>
+                  <a:srgbClr val="374151"/>
+                </a:solidFill>
+                <a:effectLst/>
+                <a:latin typeface="Söhne"/>
+              </a:rPr>
+              <a:t>.</a:t>
+            </a:r>
+          </a:p>
+          <a:p>
+            <a:pPr algn="l"/>
+            <a:endParaRPr lang="es-ES" b="0" i="0" dirty="0">
+              <a:solidFill>
+                <a:srgbClr val="374151"/>
+              </a:solidFill>
+              <a:effectLst/>
+              <a:latin typeface="Söhne"/>
+            </a:endParaRPr>
+          </a:p>
+          <a:p>
+            <a:pPr algn="l"/>
+            <a:r>
+              <a:rPr lang="es-ES" b="0" i="0" dirty="0">
+                <a:solidFill>
+                  <a:srgbClr val="374151"/>
+                </a:solidFill>
+                <a:effectLst/>
+                <a:latin typeface="Söhne"/>
+              </a:rPr>
+              <a:t>En el </a:t>
+            </a:r>
+            <a:r>
+              <a:rPr lang="es-ES" b="0" i="0" dirty="0" err="1">
+                <a:solidFill>
+                  <a:srgbClr val="374151"/>
+                </a:solidFill>
+                <a:effectLst/>
+                <a:latin typeface="Söhne"/>
+              </a:rPr>
+              <a:t>IoT</a:t>
+            </a:r>
+            <a:r>
+              <a:rPr lang="es-ES" b="0" i="0" dirty="0">
+                <a:solidFill>
+                  <a:srgbClr val="374151"/>
+                </a:solidFill>
+                <a:effectLst/>
+                <a:latin typeface="Söhne"/>
+              </a:rPr>
+              <a:t>, los dispositivos, sensores y actuadores desempeñan un papel fundamental. Estos componentes permiten recopilar datos del entorno, controlar y actuar sobre los dispositivos conectados. Los sensores capturan información sobre variables físicas como temperatura, humedad, movimiento, entre otros, mientras que los actuadores ejecutan acciones en respuesta a comandos o condiciones predefinidas.</a:t>
+            </a:r>
+          </a:p>
+          <a:p>
+            <a:pPr algn="l"/>
+            <a:endParaRPr lang="es-ES" b="0" i="0" dirty="0">
+              <a:solidFill>
+                <a:srgbClr val="374151"/>
+              </a:solidFill>
+              <a:effectLst/>
+              <a:latin typeface="Söhne"/>
+            </a:endParaRPr>
+          </a:p>
+          <a:p>
+            <a:pPr algn="l"/>
+            <a:r>
+              <a:rPr lang="es-ES" b="0" i="0" dirty="0">
+                <a:solidFill>
+                  <a:srgbClr val="374151"/>
+                </a:solidFill>
+                <a:effectLst/>
+                <a:latin typeface="Söhne"/>
+              </a:rPr>
+              <a:t>La monitorización de la plataforma es esencial para garantizar el rendimiento y la disponibilidad del ecosistema </a:t>
+            </a:r>
+            <a:r>
+              <a:rPr lang="es-ES" b="0" i="0" dirty="0" err="1">
+                <a:solidFill>
+                  <a:srgbClr val="374151"/>
+                </a:solidFill>
+                <a:effectLst/>
+                <a:latin typeface="Söhne"/>
+              </a:rPr>
+              <a:t>IoT</a:t>
+            </a:r>
+            <a:r>
+              <a:rPr lang="es-ES" b="0" i="0" dirty="0">
+                <a:solidFill>
+                  <a:srgbClr val="374151"/>
+                </a:solidFill>
+                <a:effectLst/>
+                <a:latin typeface="Söhne"/>
+              </a:rPr>
+              <a:t>. Esta monitorización implica supervisar el estado de los dispositivos, la conectividad, el rendimiento de la red y otros aspectos relevantes. La información recopilada permite detectar y solucionar problemas de manera proactiva, optimizando así el funcionamiento general de la plataforma.</a:t>
+            </a:r>
+          </a:p>
+          <a:p>
+            <a:pPr algn="l"/>
+            <a:endParaRPr lang="es-ES" b="0" i="0" dirty="0">
+              <a:solidFill>
+                <a:srgbClr val="374151"/>
+              </a:solidFill>
+              <a:effectLst/>
+              <a:latin typeface="Söhne"/>
+            </a:endParaRPr>
+          </a:p>
+          <a:p>
+            <a:pPr algn="l"/>
+            <a:r>
+              <a:rPr lang="es-ES" b="0" i="0" dirty="0">
+                <a:solidFill>
+                  <a:srgbClr val="374151"/>
+                </a:solidFill>
+                <a:effectLst/>
+                <a:latin typeface="Söhne"/>
+              </a:rPr>
+              <a:t>Finalmente, no podemos dejar de mencionar la privacidad en el </a:t>
+            </a:r>
+            <a:r>
+              <a:rPr lang="es-ES" b="0" i="0" dirty="0" err="1">
+                <a:solidFill>
+                  <a:srgbClr val="374151"/>
+                </a:solidFill>
+                <a:effectLst/>
+                <a:latin typeface="Söhne"/>
+              </a:rPr>
+              <a:t>IoT</a:t>
+            </a:r>
+            <a:r>
+              <a:rPr lang="es-ES" b="0" i="0" dirty="0">
+                <a:solidFill>
+                  <a:srgbClr val="374151"/>
+                </a:solidFill>
+                <a:effectLst/>
+                <a:latin typeface="Söhne"/>
+              </a:rPr>
+              <a:t>. La cantidad de datos personales que se generan y comparten a través de dispositivos conectados plantea importantes desafíos de privacidad. Es fundamental que las organizaciones y los usuarios tomen medidas para proteger la privacidad de los datos y garantizar un uso ético y responsable del </a:t>
+            </a:r>
+            <a:r>
+              <a:rPr lang="es-ES" b="0" i="0" dirty="0" err="1">
+                <a:solidFill>
+                  <a:srgbClr val="374151"/>
+                </a:solidFill>
+                <a:effectLst/>
+                <a:latin typeface="Söhne"/>
+              </a:rPr>
+              <a:t>IoT</a:t>
+            </a:r>
+            <a:r>
+              <a:rPr lang="es-ES" b="0" i="0" dirty="0">
+                <a:solidFill>
+                  <a:srgbClr val="374151"/>
+                </a:solidFill>
+                <a:effectLst/>
+                <a:latin typeface="Söhne"/>
+              </a:rPr>
+              <a:t>.</a:t>
+            </a:r>
+          </a:p>
+          <a:p>
             <a:endParaRPr lang="es-ES" dirty="0"/>
           </a:p>
         </p:txBody>
@@ -32525,7 +33494,32 @@
           <a:bodyPr/>
           <a:lstStyle/>
           <a:p>
-            <a:endParaRPr lang="es-ES" dirty="0"/>
+            <a:r>
+              <a:rPr lang="es-ES" dirty="0"/>
+              <a:t>Aunque existen otros modelos de procesamiento, 2 de los más populares a día de hoy en el ámbito de </a:t>
+            </a:r>
+            <a:r>
+              <a:rPr lang="es-ES" dirty="0" err="1"/>
+              <a:t>IoT</a:t>
+            </a:r>
+            <a:r>
+              <a:rPr lang="es-ES" dirty="0"/>
+              <a:t> son el Cloud Computing y el Edge Computing.</a:t>
+            </a:r>
+          </a:p>
+          <a:p>
+            <a:r>
+              <a:rPr lang="es-ES" dirty="0"/>
+              <a:t>Explicar ambos y la importancia de Edge </a:t>
+            </a:r>
+            <a:r>
+              <a:rPr lang="es-ES" dirty="0" err="1"/>
+              <a:t>Computer</a:t>
+            </a:r>
+            <a:r>
+              <a:rPr lang="es-ES" dirty="0"/>
+              <a:t>.</a:t>
+            </a:r>
           </a:p>
         </p:txBody>
       </p:sp>
@@ -32584,7 +33578,7 @@
       </p:grpSpPr>
       <p:sp>
         <p:nvSpPr>
-          <p:cNvPr id="2" name="Marcador de imagen de diapositiva 1"/>
+          <p:cNvPr id="2" name="Slide Image Placeholder 1"/>
           <p:cNvSpPr>
             <a:spLocks noGrp="1" noRot="1" noChangeAspect="1"/>
           </p:cNvSpPr>
@@ -32596,7 +33590,7 @@
       </p:sp>
       <p:sp>
         <p:nvSpPr>
-          <p:cNvPr id="3" name="Marcador de notas 2"/>
+          <p:cNvPr id="3" name="Notes Placeholder 2"/>
           <p:cNvSpPr>
             <a:spLocks noGrp="1"/>
           </p:cNvSpPr>
@@ -32609,251 +33603,13 @@
           <a:bodyPr/>
           <a:lstStyle/>
           <a:p>
-            <a:pPr marL="228600" indent="-228600">
-              <a:buAutoNum type="arabicPeriod"/>
-            </a:pPr>
-            <a:r>
-              <a:rPr lang="es-ES" b="0" i="0" dirty="0">
-                <a:solidFill>
-                  <a:srgbClr val="ECECF1"/>
-                </a:solidFill>
-                <a:effectLst/>
-                <a:latin typeface="Söhne"/>
-              </a:rPr>
-              <a:t>Escalado automático: </a:t>
-            </a:r>
-            <a:r>
-              <a:rPr lang="es-ES" b="0" i="0" dirty="0" err="1">
-                <a:solidFill>
-                  <a:srgbClr val="ECECF1"/>
-                </a:solidFill>
-                <a:effectLst/>
-                <a:latin typeface="Söhne"/>
-              </a:rPr>
-              <a:t>Kubernetes</a:t>
-            </a:r>
-            <a:r>
-              <a:rPr lang="es-ES" b="0" i="0" dirty="0">
-                <a:solidFill>
-                  <a:srgbClr val="ECECF1"/>
-                </a:solidFill>
-                <a:effectLst/>
-                <a:latin typeface="Söhne"/>
-              </a:rPr>
-              <a:t> permite escalar automáticamente las aplicaciones en función de la demanda, aumentando o disminuyendo el número de réplicas de los contenedores según las métricas de rendimiento establecidas. </a:t>
-            </a:r>
-          </a:p>
-          <a:p>
-            <a:pPr marL="228600" indent="-228600">
-              <a:buAutoNum type="arabicPeriod"/>
-            </a:pPr>
-            <a:r>
-              <a:rPr lang="es-ES" b="0" i="0" dirty="0">
-                <a:solidFill>
-                  <a:srgbClr val="ECECF1"/>
-                </a:solidFill>
-                <a:effectLst/>
-                <a:latin typeface="Söhne"/>
-              </a:rPr>
-              <a:t>Alta disponibilidad: </a:t>
-            </a:r>
-            <a:r>
-              <a:rPr lang="es-ES" b="0" i="0" dirty="0" err="1">
-                <a:solidFill>
-                  <a:srgbClr val="ECECF1"/>
-                </a:solidFill>
-                <a:effectLst/>
-                <a:latin typeface="Söhne"/>
-              </a:rPr>
-              <a:t>Kubernetes</a:t>
-            </a:r>
-            <a:r>
-              <a:rPr lang="es-ES" b="0" i="0" dirty="0">
-                <a:solidFill>
-                  <a:srgbClr val="ECECF1"/>
-                </a:solidFill>
-                <a:effectLst/>
-                <a:latin typeface="Söhne"/>
-              </a:rPr>
-              <a:t> garantiza que las aplicaciones estén siempre disponibles, incluso en caso de fallos en los nodos del clúster. Si un nodo falla, </a:t>
-            </a:r>
-            <a:r>
-              <a:rPr lang="es-ES" b="0" i="0" dirty="0" err="1">
-                <a:solidFill>
-                  <a:srgbClr val="ECECF1"/>
-                </a:solidFill>
-                <a:effectLst/>
-                <a:latin typeface="Söhne"/>
-              </a:rPr>
-              <a:t>Kubernetes</a:t>
-            </a:r>
-            <a:r>
-              <a:rPr lang="es-ES" b="0" i="0" dirty="0">
-                <a:solidFill>
-                  <a:srgbClr val="ECECF1"/>
-                </a:solidFill>
-                <a:effectLst/>
-                <a:latin typeface="Söhne"/>
-              </a:rPr>
-              <a:t> reprograma automáticamente los contenedores en otros nodos saludables. </a:t>
-            </a:r>
-          </a:p>
-          <a:p>
-            <a:pPr marL="228600" indent="-228600">
-              <a:buAutoNum type="arabicPeriod"/>
-            </a:pPr>
-            <a:r>
-              <a:rPr lang="es-ES" b="0" i="0" dirty="0">
-                <a:solidFill>
-                  <a:srgbClr val="ECECF1"/>
-                </a:solidFill>
-                <a:effectLst/>
-                <a:latin typeface="Söhne"/>
-              </a:rPr>
-              <a:t>Despliegue declarativo: Se define el estado deseado de la aplicación y </a:t>
-            </a:r>
-            <a:r>
-              <a:rPr lang="es-ES" b="0" i="0" dirty="0" err="1">
-                <a:solidFill>
-                  <a:srgbClr val="ECECF1"/>
-                </a:solidFill>
-                <a:effectLst/>
-                <a:latin typeface="Söhne"/>
-              </a:rPr>
-              <a:t>Kubernetes</a:t>
-            </a:r>
-            <a:r>
-              <a:rPr lang="es-ES" b="0" i="0" dirty="0">
-                <a:solidFill>
-                  <a:srgbClr val="ECECF1"/>
-                </a:solidFill>
-                <a:effectLst/>
-                <a:latin typeface="Söhne"/>
-              </a:rPr>
-              <a:t> se encarga de mantener el estado actual en línea con el estado deseado, gestionando las actualizaciones y las versiones de las aplicaciones de forma transparente. </a:t>
-            </a:r>
-          </a:p>
-          <a:p>
-            <a:pPr marL="228600" indent="-228600">
-              <a:buAutoNum type="arabicPeriod"/>
-            </a:pPr>
-            <a:r>
-              <a:rPr lang="es-ES" b="0" i="0" dirty="0">
-                <a:solidFill>
-                  <a:srgbClr val="ECECF1"/>
-                </a:solidFill>
-                <a:effectLst/>
-                <a:latin typeface="Söhne"/>
-              </a:rPr>
-              <a:t>Gestión del almacenamiento: </a:t>
-            </a:r>
-            <a:r>
-              <a:rPr lang="es-ES" b="0" i="0" dirty="0" err="1">
-                <a:solidFill>
-                  <a:srgbClr val="ECECF1"/>
-                </a:solidFill>
-                <a:effectLst/>
-                <a:latin typeface="Söhne"/>
-              </a:rPr>
-              <a:t>Kubernetes</a:t>
-            </a:r>
-            <a:r>
-              <a:rPr lang="es-ES" b="0" i="0" dirty="0">
-                <a:solidFill>
-                  <a:srgbClr val="ECECF1"/>
-                </a:solidFill>
-                <a:effectLst/>
-                <a:latin typeface="Söhne"/>
-              </a:rPr>
-              <a:t> ofrece una gestión flexible y automatizada del almacenamiento persistente para los contenedores, permitiendo que los datos se mantengan de manera segura y accesible. </a:t>
-            </a:r>
-          </a:p>
-          <a:p>
-            <a:pPr marL="228600" indent="-228600">
-              <a:buAutoNum type="arabicPeriod"/>
-            </a:pPr>
-            <a:r>
-              <a:rPr lang="es-ES" b="0" i="0" dirty="0" err="1">
-                <a:solidFill>
-                  <a:srgbClr val="ECECF1"/>
-                </a:solidFill>
-                <a:effectLst/>
-                <a:latin typeface="Söhne"/>
-              </a:rPr>
-              <a:t>Networking</a:t>
-            </a:r>
-            <a:r>
-              <a:rPr lang="es-ES" b="0" i="0" dirty="0">
-                <a:solidFill>
-                  <a:srgbClr val="ECECF1"/>
-                </a:solidFill>
-                <a:effectLst/>
-                <a:latin typeface="Söhne"/>
-              </a:rPr>
-              <a:t>: </a:t>
-            </a:r>
-            <a:r>
-              <a:rPr lang="es-ES" b="0" i="0" dirty="0" err="1">
-                <a:solidFill>
-                  <a:srgbClr val="ECECF1"/>
-                </a:solidFill>
-                <a:effectLst/>
-                <a:latin typeface="Söhne"/>
-              </a:rPr>
-              <a:t>Kubernetes</a:t>
-            </a:r>
-            <a:r>
-              <a:rPr lang="es-ES" b="0" i="0" dirty="0">
-                <a:solidFill>
-                  <a:srgbClr val="ECECF1"/>
-                </a:solidFill>
-                <a:effectLst/>
-                <a:latin typeface="Söhne"/>
-              </a:rPr>
-              <a:t> proporciona una infraestructura de red virtual que permite la comunicación entre los contenedores y los servicios dentro del clúster, facilitando la conectividad y el enrutamiento. </a:t>
-            </a:r>
-          </a:p>
-          <a:p>
-            <a:pPr marL="228600" indent="-228600">
-              <a:buAutoNum type="arabicPeriod"/>
-            </a:pPr>
-            <a:r>
-              <a:rPr lang="es-ES" b="0" i="0" dirty="0">
-                <a:solidFill>
-                  <a:srgbClr val="ECECF1"/>
-                </a:solidFill>
-                <a:effectLst/>
-                <a:latin typeface="Söhne"/>
-              </a:rPr>
-              <a:t>Integración con herramientas y servicios: </a:t>
-            </a:r>
-            <a:r>
-              <a:rPr lang="es-ES" b="0" i="0" dirty="0" err="1">
-                <a:solidFill>
-                  <a:srgbClr val="ECECF1"/>
-                </a:solidFill>
-                <a:effectLst/>
-                <a:latin typeface="Söhne"/>
-              </a:rPr>
-              <a:t>Kubernetes</a:t>
-            </a:r>
-            <a:r>
-              <a:rPr lang="es-ES" b="0" i="0" dirty="0">
-                <a:solidFill>
-                  <a:srgbClr val="ECECF1"/>
-                </a:solidFill>
-                <a:effectLst/>
-                <a:latin typeface="Söhne"/>
-              </a:rPr>
-              <a:t> se integra con una amplia gama de herramientas y servicios, como sistemas de registro, monitoreo y balanceo de carga, lo que permite construir soluciones completas y escalables.</a:t>
-            </a:r>
             <a:endParaRPr lang="es-ES" dirty="0"/>
           </a:p>
         </p:txBody>
       </p:sp>
       <p:sp>
         <p:nvSpPr>
-          <p:cNvPr id="4" name="Marcador de número de diapositiva 3"/>
+          <p:cNvPr id="4" name="Slide Number Placeholder 3"/>
           <p:cNvSpPr>
             <a:spLocks noGrp="1"/>
           </p:cNvSpPr>
@@ -32868,7 +33624,7 @@
           <a:p>
             <a:fld id="{1C05CAA5-1AFC-4AC0-AD18-DF0FCF286167}" type="slidenum">
               <a:rPr lang="es-ES" smtClean="0"/>
-              <a:t>12</a:t>
+              <a:t>9</a:t>
             </a:fld>
             <a:endParaRPr lang="es-ES"/>
           </a:p>
@@ -32877,7 +33633,7 @@
     </p:spTree>
     <p:extLst>
       <p:ext uri="{BB962C8B-B14F-4D97-AF65-F5344CB8AC3E}">
-        <p14:creationId xmlns:p14="http://schemas.microsoft.com/office/powerpoint/2010/main" val="2821717277"/>
+        <p14:creationId xmlns:p14="http://schemas.microsoft.com/office/powerpoint/2010/main" val="793695619"/>
       </p:ext>
     </p:extLst>
   </p:cSld>
@@ -32931,35 +33687,10 @@
           <a:bodyPr/>
           <a:lstStyle/>
           <a:p>
-            <a:pPr marL="228600" indent="-228600">
-              <a:buAutoNum type="arabicPeriod"/>
-            </a:pPr>
             <a:r>
               <a:rPr lang="es-ES" dirty="0"/>
-              <a:t>Y K3S, que es una distribución de </a:t>
+              <a:t>Vamos a pasar muy rápido por los fundamentos teóricos del proyecto y que nos permitirán entender la arquitectura planteada y la importancia de los resultados;</a:t>
             </a:r>
-            <a:r>
-              <a:rPr lang="es-ES" dirty="0" err="1"/>
-              <a:t>kubernetes</a:t>
-            </a:r>
-            <a:r>
-              <a:rPr lang="es-ES" dirty="0"/>
-              <a:t> ligera y que usaremos en este proyecto, nos aporta respecto a </a:t>
-            </a:r>
-            <a:r>
-              <a:rPr lang="es-ES" dirty="0" err="1"/>
-              <a:t>kubernetes</a:t>
-            </a:r>
-            <a:r>
-              <a:rPr lang="es-ES"/>
-              <a:t>:</a:t>
-            </a:r>
-          </a:p>
-          <a:p>
-            <a:pPr marL="685800" lvl="1" indent="-228600">
-              <a:buAutoNum type="arabicPeriod"/>
-            </a:pPr>
-            <a:endParaRPr lang="es-ES" dirty="0"/>
           </a:p>
         </p:txBody>
       </p:sp>
@@ -32980,7 +33711,7 @@
           <a:p>
             <a:fld id="{1C05CAA5-1AFC-4AC0-AD18-DF0FCF286167}" type="slidenum">
               <a:rPr lang="es-ES" smtClean="0"/>
-              <a:t>13</a:t>
+              <a:t>10</a:t>
             </a:fld>
             <a:endParaRPr lang="es-ES"/>
           </a:p>
@@ -32989,7 +33720,7 @@
     </p:spTree>
     <p:extLst>
       <p:ext uri="{BB962C8B-B14F-4D97-AF65-F5344CB8AC3E}">
-        <p14:creationId xmlns:p14="http://schemas.microsoft.com/office/powerpoint/2010/main" val="3153402130"/>
+        <p14:creationId xmlns:p14="http://schemas.microsoft.com/office/powerpoint/2010/main" val="4103274412"/>
       </p:ext>
     </p:extLst>
   </p:cSld>
@@ -33148,7 +33879,7 @@
           <a:p>
             <a:fld id="{55C60013-A524-43FF-B0DB-D76E71237714}" type="datetimeFigureOut">
               <a:rPr lang="es-ES" smtClean="0"/>
-              <a:t>16/07/2023</a:t>
+              <a:t>17/07/2023</a:t>
             </a:fld>
             <a:endParaRPr lang="es-ES"/>
           </a:p>
@@ -33202,7 +33933,7 @@
           <a:p>
             <a:fld id="{8B423091-56E9-4105-8308-109EEC8E79A9}" type="slidenum">
               <a:rPr lang="es-ES" smtClean="0"/>
-              <a:t>‹Nº›</a:t>
+              <a:t>‹#›</a:t>
             </a:fld>
             <a:endParaRPr lang="es-ES"/>
           </a:p>
@@ -33353,7 +34084,7 @@
           <a:p>
             <a:fld id="{55C60013-A524-43FF-B0DB-D76E71237714}" type="datetimeFigureOut">
               <a:rPr lang="es-ES" smtClean="0"/>
-              <a:t>16/07/2023</a:t>
+              <a:t>17/07/2023</a:t>
             </a:fld>
             <a:endParaRPr lang="es-ES"/>
           </a:p>
@@ -33407,7 +34138,7 @@
           <a:p>
             <a:fld id="{8B423091-56E9-4105-8308-109EEC8E79A9}" type="slidenum">
               <a:rPr lang="es-ES" smtClean="0"/>
-              <a:t>‹Nº›</a:t>
+              <a:t>‹#›</a:t>
             </a:fld>
             <a:endParaRPr lang="es-ES"/>
           </a:p>
@@ -33563,7 +34294,7 @@
           <a:p>
             <a:fld id="{55C60013-A524-43FF-B0DB-D76E71237714}" type="datetimeFigureOut">
               <a:rPr lang="es-ES" smtClean="0"/>
-              <a:t>16/07/2023</a:t>
+              <a:t>17/07/2023</a:t>
             </a:fld>
             <a:endParaRPr lang="es-ES"/>
           </a:p>
@@ -33617,7 +34348,7 @@
           <a:p>
             <a:fld id="{8B423091-56E9-4105-8308-109EEC8E79A9}" type="slidenum">
               <a:rPr lang="es-ES" smtClean="0"/>
-              <a:t>‹Nº›</a:t>
+              <a:t>‹#›</a:t>
             </a:fld>
             <a:endParaRPr lang="es-ES"/>
           </a:p>
@@ -33768,7 +34499,7 @@
           <a:p>
             <a:fld id="{55C60013-A524-43FF-B0DB-D76E71237714}" type="datetimeFigureOut">
               <a:rPr lang="es-ES" smtClean="0"/>
-              <a:t>16/07/2023</a:t>
+              <a:t>17/07/2023</a:t>
             </a:fld>
             <a:endParaRPr lang="es-ES"/>
           </a:p>
@@ -33822,7 +34553,7 @@
           <a:p>
             <a:fld id="{8B423091-56E9-4105-8308-109EEC8E79A9}" type="slidenum">
               <a:rPr lang="es-ES" smtClean="0"/>
-              <a:t>‹Nº›</a:t>
+              <a:t>‹#›</a:t>
             </a:fld>
             <a:endParaRPr lang="es-ES"/>
           </a:p>
@@ -34044,7 +34775,7 @@
           <a:p>
             <a:fld id="{55C60013-A524-43FF-B0DB-D76E71237714}" type="datetimeFigureOut">
               <a:rPr lang="es-ES" smtClean="0"/>
-              <a:t>16/07/2023</a:t>
+              <a:t>17/07/2023</a:t>
             </a:fld>
             <a:endParaRPr lang="es-ES"/>
           </a:p>
@@ -34098,7 +34829,7 @@
           <a:p>
             <a:fld id="{8B423091-56E9-4105-8308-109EEC8E79A9}" type="slidenum">
               <a:rPr lang="es-ES" smtClean="0"/>
-              <a:t>‹Nº›</a:t>
+              <a:t>‹#›</a:t>
             </a:fld>
             <a:endParaRPr lang="es-ES"/>
           </a:p>
@@ -34317,7 +35048,7 @@
           <a:p>
             <a:fld id="{55C60013-A524-43FF-B0DB-D76E71237714}" type="datetimeFigureOut">
               <a:rPr lang="es-ES" smtClean="0"/>
-              <a:t>16/07/2023</a:t>
+              <a:t>17/07/2023</a:t>
             </a:fld>
             <a:endParaRPr lang="es-ES"/>
           </a:p>
@@ -34371,7 +35102,7 @@
           <a:p>
             <a:fld id="{8B423091-56E9-4105-8308-109EEC8E79A9}" type="slidenum">
               <a:rPr lang="es-ES" smtClean="0"/>
-              <a:t>‹Nº›</a:t>
+              <a:t>‹#›</a:t>
             </a:fld>
             <a:endParaRPr lang="es-ES"/>
           </a:p>
@@ -34732,7 +35463,7 @@
           <a:p>
             <a:fld id="{55C60013-A524-43FF-B0DB-D76E71237714}" type="datetimeFigureOut">
               <a:rPr lang="es-ES" smtClean="0"/>
-              <a:t>16/07/2023</a:t>
+              <a:t>17/07/2023</a:t>
             </a:fld>
             <a:endParaRPr lang="es-ES"/>
           </a:p>
@@ -34786,7 +35517,7 @@
           <a:p>
             <a:fld id="{8B423091-56E9-4105-8308-109EEC8E79A9}" type="slidenum">
               <a:rPr lang="es-ES" smtClean="0"/>
-              <a:t>‹Nº›</a:t>
+              <a:t>‹#›</a:t>
             </a:fld>
             <a:endParaRPr lang="es-ES"/>
           </a:p>
@@ -34874,7 +35605,7 @@
           <a:p>
             <a:fld id="{55C60013-A524-43FF-B0DB-D76E71237714}" type="datetimeFigureOut">
               <a:rPr lang="es-ES" smtClean="0"/>
-              <a:t>16/07/2023</a:t>
+              <a:t>17/07/2023</a:t>
             </a:fld>
             <a:endParaRPr lang="es-ES"/>
           </a:p>
@@ -34928,7 +35659,7 @@
           <a:p>
             <a:fld id="{8B423091-56E9-4105-8308-109EEC8E79A9}" type="slidenum">
               <a:rPr lang="es-ES" smtClean="0"/>
-              <a:t>‹Nº›</a:t>
+              <a:t>‹#›</a:t>
             </a:fld>
             <a:endParaRPr lang="es-ES"/>
           </a:p>
@@ -34987,7 +35718,7 @@
           <a:p>
             <a:fld id="{55C60013-A524-43FF-B0DB-D76E71237714}" type="datetimeFigureOut">
               <a:rPr lang="es-ES" smtClean="0"/>
-              <a:t>16/07/2023</a:t>
+              <a:t>17/07/2023</a:t>
             </a:fld>
             <a:endParaRPr lang="es-ES"/>
           </a:p>
@@ -35041,7 +35772,7 @@
           <a:p>
             <a:fld id="{8B423091-56E9-4105-8308-109EEC8E79A9}" type="slidenum">
               <a:rPr lang="es-ES" smtClean="0"/>
-              <a:t>‹Nº›</a:t>
+              <a:t>‹#›</a:t>
             </a:fld>
             <a:endParaRPr lang="es-ES"/>
           </a:p>
@@ -35300,7 +36031,7 @@
           <a:p>
             <a:fld id="{55C60013-A524-43FF-B0DB-D76E71237714}" type="datetimeFigureOut">
               <a:rPr lang="es-ES" smtClean="0"/>
-              <a:t>16/07/2023</a:t>
+              <a:t>17/07/2023</a:t>
             </a:fld>
             <a:endParaRPr lang="es-ES"/>
           </a:p>
@@ -35354,7 +36085,7 @@
           <a:p>
             <a:fld id="{8B423091-56E9-4105-8308-109EEC8E79A9}" type="slidenum">
               <a:rPr lang="es-ES" smtClean="0"/>
-              <a:t>‹Nº›</a:t>
+              <a:t>‹#›</a:t>
             </a:fld>
             <a:endParaRPr lang="es-ES"/>
           </a:p>
@@ -35589,7 +36320,7 @@
           <a:p>
             <a:fld id="{55C60013-A524-43FF-B0DB-D76E71237714}" type="datetimeFigureOut">
               <a:rPr lang="es-ES" smtClean="0"/>
-              <a:t>16/07/2023</a:t>
+              <a:t>17/07/2023</a:t>
             </a:fld>
             <a:endParaRPr lang="es-ES"/>
           </a:p>
@@ -35643,7 +36374,7 @@
           <a:p>
             <a:fld id="{8B423091-56E9-4105-8308-109EEC8E79A9}" type="slidenum">
               <a:rPr lang="es-ES" smtClean="0"/>
-              <a:t>‹Nº›</a:t>
+              <a:t>‹#›</a:t>
             </a:fld>
             <a:endParaRPr lang="es-ES"/>
           </a:p>
@@ -35832,7 +36563,7 @@
           <a:p>
             <a:fld id="{55C60013-A524-43FF-B0DB-D76E71237714}" type="datetimeFigureOut">
               <a:rPr lang="es-ES" smtClean="0"/>
-              <a:t>16/07/2023</a:t>
+              <a:t>17/07/2023</a:t>
             </a:fld>
             <a:endParaRPr lang="es-ES"/>
           </a:p>
@@ -35922,7 +36653,7 @@
           <a:p>
             <a:fld id="{8B423091-56E9-4105-8308-109EEC8E79A9}" type="slidenum">
               <a:rPr lang="es-ES" smtClean="0"/>
-              <a:t>‹Nº›</a:t>
+              <a:t>‹#›</a:t>
             </a:fld>
             <a:endParaRPr lang="es-ES"/>
           </a:p>
@@ -36574,6 +37305,305 @@
     <p:bg>
       <p:bgPr>
         <a:solidFill>
+          <a:schemeClr val="tx1"/>
+        </a:solidFill>
+        <a:effectLst/>
+      </p:bgPr>
+    </p:bg>
+    <p:spTree>
+      <p:nvGrpSpPr>
+        <p:cNvPr id="1" name=""/>
+        <p:cNvGrpSpPr/>
+        <p:nvPr/>
+      </p:nvGrpSpPr>
+      <p:grpSpPr>
+        <a:xfrm>
+          <a:off x="0" y="0"/>
+          <a:ext cx="0" cy="0"/>
+          <a:chOff x="0" y="0"/>
+          <a:chExt cx="0" cy="0"/>
+        </a:xfrm>
+      </p:grpSpPr>
+      <p:sp>
+        <p:nvSpPr>
+          <p:cNvPr id="10" name="Rectangle 9">
+            <a:extLst>
+              <a:ext uri="{FF2B5EF4-FFF2-40B4-BE49-F238E27FC236}">
+                <a16:creationId xmlns:a16="http://schemas.microsoft.com/office/drawing/2014/main" id="{2A8AA5BC-4F7A-4226-8F99-6D824B226A97}"/>
+              </a:ext>
+              <a:ext uri="{C183D7F6-B498-43B3-948B-1728B52AA6E4}">
+                <adec:decorative xmlns:adec="http://schemas.microsoft.com/office/drawing/2017/decorative" val="1"/>
+              </a:ext>
+            </a:extLst>
+          </p:cNvPr>
+          <p:cNvSpPr>
+            <a:spLocks noGrp="1" noRot="1" noChangeAspect="1" noMove="1" noResize="1" noEditPoints="1" noAdjustHandles="1" noChangeArrowheads="1" noChangeShapeType="1" noTextEdit="1"/>
+          </p:cNvSpPr>
+          <p:nvPr>
+            <p:extLst>
+              <p:ext uri="{386F3935-93C4-4BCD-93E2-E3B085C9AB24}">
+                <p16:designElem xmlns:p16="http://schemas.microsoft.com/office/powerpoint/2015/main" val="1"/>
+              </p:ext>
+            </p:extLst>
+          </p:nvPr>
+        </p:nvSpPr>
+        <p:spPr>
+          <a:xfrm>
+            <a:off x="0" y="-3324"/>
+            <a:ext cx="12192000" cy="6861324"/>
+          </a:xfrm>
+          <a:prstGeom prst="rect">
+            <a:avLst/>
+          </a:prstGeom>
+          <a:solidFill>
+            <a:schemeClr val="tx1"/>
+          </a:solidFill>
+          <a:ln>
+            <a:noFill/>
+          </a:ln>
+        </p:spPr>
+        <p:style>
+          <a:lnRef idx="2">
+            <a:schemeClr val="accent1">
+              <a:shade val="50000"/>
+            </a:schemeClr>
+          </a:lnRef>
+          <a:fillRef idx="1">
+            <a:schemeClr val="accent1"/>
+          </a:fillRef>
+          <a:effectRef idx="0">
+            <a:schemeClr val="accent1"/>
+          </a:effectRef>
+          <a:fontRef idx="minor">
+            <a:schemeClr val="lt1"/>
+          </a:fontRef>
+        </p:style>
+        <p:txBody>
+          <a:bodyPr rtlCol="0" anchor="ctr"/>
+          <a:lstStyle/>
+          <a:p>
+            <a:pPr algn="ctr"/>
+            <a:endParaRPr lang="en-US"/>
+          </a:p>
+        </p:txBody>
+      </p:sp>
+      <p:sp>
+        <p:nvSpPr>
+          <p:cNvPr id="12" name="Rectangle 11">
+            <a:extLst>
+              <a:ext uri="{FF2B5EF4-FFF2-40B4-BE49-F238E27FC236}">
+                <a16:creationId xmlns:a16="http://schemas.microsoft.com/office/drawing/2014/main" id="{3E5445C6-DD42-4979-86FF-03730E8C6DB0}"/>
+              </a:ext>
+              <a:ext uri="{C183D7F6-B498-43B3-948B-1728B52AA6E4}">
+                <adec:decorative xmlns:adec="http://schemas.microsoft.com/office/drawing/2017/decorative" val="1"/>
+              </a:ext>
+            </a:extLst>
+          </p:cNvPr>
+          <p:cNvSpPr>
+            <a:spLocks noGrp="1" noRot="1" noChangeAspect="1" noMove="1" noResize="1" noEditPoints="1" noAdjustHandles="1" noChangeArrowheads="1" noChangeShapeType="1" noTextEdit="1"/>
+          </p:cNvSpPr>
+          <p:nvPr>
+            <p:extLst>
+              <p:ext uri="{386F3935-93C4-4BCD-93E2-E3B085C9AB24}">
+                <p16:designElem xmlns:p16="http://schemas.microsoft.com/office/powerpoint/2015/main" val="1"/>
+              </p:ext>
+            </p:extLst>
+          </p:nvPr>
+        </p:nvSpPr>
+        <p:spPr bwMode="ltGray">
+          <a:xfrm>
+            <a:off x="321734" y="321733"/>
+            <a:ext cx="11573488" cy="6214534"/>
+          </a:xfrm>
+          <a:prstGeom prst="rect">
+            <a:avLst/>
+          </a:prstGeom>
+          <a:solidFill>
+            <a:schemeClr val="bg1">
+              <a:lumMod val="75000"/>
+              <a:lumOff val="25000"/>
+            </a:schemeClr>
+          </a:solidFill>
+          <a:ln w="127000" cap="sq" cmpd="thinThick">
+            <a:solidFill>
+              <a:schemeClr val="bg1">
+                <a:lumMod val="75000"/>
+                <a:lumOff val="25000"/>
+              </a:schemeClr>
+            </a:solidFill>
+          </a:ln>
+        </p:spPr>
+        <p:style>
+          <a:lnRef idx="2">
+            <a:schemeClr val="accent1">
+              <a:shade val="50000"/>
+            </a:schemeClr>
+          </a:lnRef>
+          <a:fillRef idx="1">
+            <a:schemeClr val="accent1"/>
+          </a:fillRef>
+          <a:effectRef idx="0">
+            <a:schemeClr val="accent1"/>
+          </a:effectRef>
+          <a:fontRef idx="minor">
+            <a:schemeClr val="lt1"/>
+          </a:fontRef>
+        </p:style>
+        <p:txBody>
+          <a:bodyPr rtlCol="0" anchor="ctr"/>
+          <a:lstStyle/>
+          <a:p>
+            <a:pPr algn="ctr"/>
+            <a:endParaRPr lang="en-US"/>
+          </a:p>
+        </p:txBody>
+      </p:sp>
+      <p:sp>
+        <p:nvSpPr>
+          <p:cNvPr id="4" name="Title 3">
+            <a:extLst>
+              <a:ext uri="{FF2B5EF4-FFF2-40B4-BE49-F238E27FC236}">
+                <a16:creationId xmlns:a16="http://schemas.microsoft.com/office/drawing/2014/main" id="{54C5571D-2982-4B89-B034-F08656196C9B}"/>
+              </a:ext>
+            </a:extLst>
+          </p:cNvPr>
+          <p:cNvSpPr>
+            <a:spLocks noGrp="1"/>
+          </p:cNvSpPr>
+          <p:nvPr>
+            <p:ph type="ctrTitle"/>
+          </p:nvPr>
+        </p:nvSpPr>
+        <p:spPr>
+          <a:xfrm>
+            <a:off x="1524000" y="1122362"/>
+            <a:ext cx="9144000" cy="2840037"/>
+          </a:xfrm>
+        </p:spPr>
+        <p:txBody>
+          <a:bodyPr>
+            <a:normAutofit/>
+          </a:bodyPr>
+          <a:lstStyle/>
+          <a:p>
+            <a:r>
+              <a:rPr lang="es-ES_tradnl" sz="5800" dirty="0"/>
+              <a:t>Fundamentos Teóricos</a:t>
+            </a:r>
+            <a:endParaRPr lang="es-ES" sz="5800" dirty="0"/>
+          </a:p>
+        </p:txBody>
+      </p:sp>
+      <p:cxnSp>
+        <p:nvCxnSpPr>
+          <p:cNvPr id="14" name="Straight Connector 13">
+            <a:extLst>
+              <a:ext uri="{FF2B5EF4-FFF2-40B4-BE49-F238E27FC236}">
+                <a16:creationId xmlns:a16="http://schemas.microsoft.com/office/drawing/2014/main" id="{45000665-DFC7-417E-8FD7-516A0F15C975}"/>
+              </a:ext>
+              <a:ext uri="{C183D7F6-B498-43B3-948B-1728B52AA6E4}">
+                <adec:decorative xmlns:adec="http://schemas.microsoft.com/office/drawing/2017/decorative" val="1"/>
+              </a:ext>
+            </a:extLst>
+          </p:cNvPr>
+          <p:cNvCxnSpPr>
+            <a:cxnSpLocks noGrp="1" noRot="1" noChangeAspect="1" noMove="1" noResize="1" noEditPoints="1" noAdjustHandles="1" noChangeArrowheads="1" noChangeShapeType="1"/>
+          </p:cNvCxnSpPr>
+          <p:nvPr>
+            <p:extLst>
+              <p:ext uri="{386F3935-93C4-4BCD-93E2-E3B085C9AB24}">
+                <p16:designElem xmlns:p16="http://schemas.microsoft.com/office/powerpoint/2015/main" val="1"/>
+              </p:ext>
+            </p:extLst>
+          </p:nvPr>
+        </p:nvCxnSpPr>
+        <p:spPr>
+          <a:xfrm>
+            <a:off x="4724400" y="4109417"/>
+            <a:ext cx="2743200" cy="0"/>
+          </a:xfrm>
+          <a:prstGeom prst="line">
+            <a:avLst/>
+          </a:prstGeom>
+          <a:ln w="12700">
+            <a:solidFill>
+              <a:schemeClr val="tx1">
+                <a:lumMod val="85000"/>
+              </a:schemeClr>
+            </a:solidFill>
+          </a:ln>
+        </p:spPr>
+        <p:style>
+          <a:lnRef idx="1">
+            <a:schemeClr val="accent1"/>
+          </a:lnRef>
+          <a:fillRef idx="0">
+            <a:schemeClr val="accent1"/>
+          </a:fillRef>
+          <a:effectRef idx="0">
+            <a:schemeClr val="accent1"/>
+          </a:effectRef>
+          <a:fontRef idx="minor">
+            <a:schemeClr val="tx1"/>
+          </a:fontRef>
+        </p:style>
+      </p:cxnSp>
+      <p:sp>
+        <p:nvSpPr>
+          <p:cNvPr id="3" name="TextBox 2">
+            <a:extLst>
+              <a:ext uri="{FF2B5EF4-FFF2-40B4-BE49-F238E27FC236}">
+                <a16:creationId xmlns:a16="http://schemas.microsoft.com/office/drawing/2014/main" id="{54EAB0BF-E5DF-383C-5D87-CD2CAD087377}"/>
+              </a:ext>
+            </a:extLst>
+          </p:cNvPr>
+          <p:cNvSpPr txBox="1"/>
+          <p:nvPr/>
+        </p:nvSpPr>
+        <p:spPr>
+          <a:xfrm>
+            <a:off x="4724400" y="4169015"/>
+            <a:ext cx="2743200" cy="461665"/>
+          </a:xfrm>
+          <a:prstGeom prst="rect">
+            <a:avLst/>
+          </a:prstGeom>
+          <a:noFill/>
+        </p:spPr>
+        <p:txBody>
+          <a:bodyPr wrap="square">
+            <a:spAutoFit/>
+          </a:bodyPr>
+          <a:lstStyle/>
+          <a:p>
+            <a:pPr algn="ctr"/>
+            <a:r>
+              <a:rPr lang="es-ES_tradnl" sz="2400" dirty="0"/>
+              <a:t>Herramientas</a:t>
+            </a:r>
+            <a:endParaRPr lang="es-ES" sz="2400" dirty="0"/>
+          </a:p>
+        </p:txBody>
+      </p:sp>
+    </p:spTree>
+    <p:extLst>
+      <p:ext uri="{BB962C8B-B14F-4D97-AF65-F5344CB8AC3E}">
+        <p14:creationId xmlns:p14="http://schemas.microsoft.com/office/powerpoint/2010/main" val="2690632661"/>
+      </p:ext>
+    </p:extLst>
+  </p:cSld>
+  <p:clrMapOvr>
+    <a:overrideClrMapping bg1="dk1" tx1="lt1" bg2="dk2" tx2="lt2" accent1="accent1" accent2="accent2" accent3="accent3" accent4="accent4" accent5="accent5" accent6="accent6" hlink="hlink" folHlink="folHlink"/>
+  </p:clrMapOvr>
+</p:sld>
+</file>
+
+<file path=ppt/slides/slide11.xml><?xml version="1.0" encoding="utf-8"?>
+<p:sld xmlns:a="http://schemas.openxmlformats.org/drawingml/2006/main" xmlns:r="http://schemas.openxmlformats.org/officeDocument/2006/relationships" xmlns:p="http://schemas.openxmlformats.org/presentationml/2006/main">
+  <p:cSld>
+    <p:bg>
+      <p:bgPr>
+        <a:solidFill>
           <a:schemeClr val="bg1"/>
         </a:solidFill>
         <a:effectLst/>
@@ -37164,7 +38194,7 @@
 </p:sld>
 </file>
 
-<file path=ppt/slides/slide11.xml><?xml version="1.0" encoding="utf-8"?>
+<file path=ppt/slides/slide12.xml><?xml version="1.0" encoding="utf-8"?>
 <p:sld xmlns:a="http://schemas.openxmlformats.org/drawingml/2006/main" xmlns:r="http://schemas.openxmlformats.org/officeDocument/2006/relationships" xmlns:p="http://schemas.openxmlformats.org/presentationml/2006/main">
   <p:cSld>
     <p:bg>
@@ -37719,7 +38749,7 @@
 </p:sld>
 </file>
 
-<file path=ppt/slides/slide12.xml><?xml version="1.0" encoding="utf-8"?>
+<file path=ppt/slides/slide13.xml><?xml version="1.0" encoding="utf-8"?>
 <p:sld xmlns:a="http://schemas.openxmlformats.org/drawingml/2006/main" xmlns:r="http://schemas.openxmlformats.org/officeDocument/2006/relationships" xmlns:p="http://schemas.openxmlformats.org/presentationml/2006/main">
   <p:cSld>
     <p:bg>
@@ -37930,7 +38960,7 @@
           <p:nvPr>
             <p:extLst>
               <p:ext uri="{D42A27DB-BD31-4B8C-83A1-F6EECF244321}">
-                <p14:modId xmlns:p14="http://schemas.microsoft.com/office/powerpoint/2010/main" val="3314018000"/>
+                <p14:modId xmlns:p14="http://schemas.microsoft.com/office/powerpoint/2010/main" val="1739927918"/>
               </p:ext>
             </p:extLst>
           </p:nvPr>
@@ -37958,7 +38988,7 @@
 </p:sld>
 </file>
 
-<file path=ppt/slides/slide13.xml><?xml version="1.0" encoding="utf-8"?>
+<file path=ppt/slides/slide14.xml><?xml version="1.0" encoding="utf-8"?>
 <p:sld xmlns:a="http://schemas.openxmlformats.org/drawingml/2006/main" xmlns:r="http://schemas.openxmlformats.org/officeDocument/2006/relationships" xmlns:p="http://schemas.openxmlformats.org/presentationml/2006/main">
   <p:cSld>
     <p:bg>
@@ -38197,7 +39227,7 @@
 </p:sld>
 </file>
 
-<file path=ppt/slides/slide14.xml><?xml version="1.0" encoding="utf-8"?>
+<file path=ppt/slides/slide15.xml><?xml version="1.0" encoding="utf-8"?>
 <p:sld xmlns:a="http://schemas.openxmlformats.org/drawingml/2006/main" xmlns:r="http://schemas.openxmlformats.org/officeDocument/2006/relationships" xmlns:p="http://schemas.openxmlformats.org/presentationml/2006/main">
   <p:cSld>
     <p:bg>
@@ -38928,7 +39958,7 @@
 </p:sld>
 </file>
 
-<file path=ppt/slides/slide15.xml><?xml version="1.0" encoding="utf-8"?>
+<file path=ppt/slides/slide16.xml><?xml version="1.0" encoding="utf-8"?>
 <p:sld xmlns:a="http://schemas.openxmlformats.org/drawingml/2006/main" xmlns:r="http://schemas.openxmlformats.org/officeDocument/2006/relationships" xmlns:p="http://schemas.openxmlformats.org/presentationml/2006/main">
   <p:cSld>
     <p:spTree>
@@ -39017,7 +40047,7 @@
 </p:sld>
 </file>
 
-<file path=ppt/slides/slide16.xml><?xml version="1.0" encoding="utf-8"?>
+<file path=ppt/slides/slide17.xml><?xml version="1.0" encoding="utf-8"?>
 <p:sld xmlns:a="http://schemas.openxmlformats.org/drawingml/2006/main" xmlns:r="http://schemas.openxmlformats.org/officeDocument/2006/relationships" xmlns:p="http://schemas.openxmlformats.org/presentationml/2006/main">
   <p:cSld>
     <p:bg>
@@ -39279,7 +40309,7 @@
 </p:sld>
 </file>
 
-<file path=ppt/slides/slide17.xml><?xml version="1.0" encoding="utf-8"?>
+<file path=ppt/slides/slide18.xml><?xml version="1.0" encoding="utf-8"?>
 <p:sld xmlns:a="http://schemas.openxmlformats.org/drawingml/2006/main" xmlns:r="http://schemas.openxmlformats.org/officeDocument/2006/relationships" xmlns:p="http://schemas.openxmlformats.org/presentationml/2006/main">
   <p:cSld>
     <p:bg>
@@ -39604,7 +40634,7 @@
 </p:sld>
 </file>
 
-<file path=ppt/slides/slide18.xml><?xml version="1.0" encoding="utf-8"?>
+<file path=ppt/slides/slide19.xml><?xml version="1.0" encoding="utf-8"?>
 <p:sld xmlns:a="http://schemas.openxmlformats.org/drawingml/2006/main" xmlns:r="http://schemas.openxmlformats.org/officeDocument/2006/relationships" xmlns:p="http://schemas.openxmlformats.org/presentationml/2006/main">
   <p:cSld>
     <p:bg>
@@ -40327,7 +41357,302 @@
 </p:sld>
 </file>
 
-<file path=ppt/slides/slide19.xml><?xml version="1.0" encoding="utf-8"?>
+<file path=ppt/slides/slide2.xml><?xml version="1.0" encoding="utf-8"?>
+<p:sld xmlns:a="http://schemas.openxmlformats.org/drawingml/2006/main" xmlns:r="http://schemas.openxmlformats.org/officeDocument/2006/relationships" xmlns:p="http://schemas.openxmlformats.org/presentationml/2006/main">
+  <p:cSld>
+    <p:bg>
+      <p:bgPr>
+        <a:solidFill>
+          <a:schemeClr val="bg1"/>
+        </a:solidFill>
+        <a:effectLst/>
+      </p:bgPr>
+    </p:bg>
+    <p:spTree>
+      <p:nvGrpSpPr>
+        <p:cNvPr id="1" name=""/>
+        <p:cNvGrpSpPr/>
+        <p:nvPr/>
+      </p:nvGrpSpPr>
+      <p:grpSpPr>
+        <a:xfrm>
+          <a:off x="0" y="0"/>
+          <a:ext cx="0" cy="0"/>
+          <a:chOff x="0" y="0"/>
+          <a:chExt cx="0" cy="0"/>
+        </a:xfrm>
+      </p:grpSpPr>
+      <p:sp>
+        <p:nvSpPr>
+          <p:cNvPr id="20" name="Rectangle 13">
+            <a:extLst>
+              <a:ext uri="{FF2B5EF4-FFF2-40B4-BE49-F238E27FC236}">
+                <a16:creationId xmlns:a16="http://schemas.microsoft.com/office/drawing/2014/main" id="{8D70B121-56F4-4848-B38B-182089D909FA}"/>
+              </a:ext>
+              <a:ext uri="{C183D7F6-B498-43B3-948B-1728B52AA6E4}">
+                <adec:decorative xmlns:adec="http://schemas.microsoft.com/office/drawing/2017/decorative" val="1"/>
+              </a:ext>
+            </a:extLst>
+          </p:cNvPr>
+          <p:cNvSpPr>
+            <a:spLocks noGrp="1" noRot="1" noChangeAspect="1" noMove="1" noResize="1" noEditPoints="1" noAdjustHandles="1" noChangeArrowheads="1" noChangeShapeType="1" noTextEdit="1"/>
+          </p:cNvSpPr>
+          <p:nvPr>
+            <p:extLst>
+              <p:ext uri="{386F3935-93C4-4BCD-93E2-E3B085C9AB24}">
+                <p16:designElem xmlns:p16="http://schemas.microsoft.com/office/powerpoint/2015/main" val="1"/>
+              </p:ext>
+            </p:extLst>
+          </p:nvPr>
+        </p:nvSpPr>
+        <p:spPr bwMode="ltGray">
+          <a:xfrm>
+            <a:off x="321564" y="320040"/>
+            <a:ext cx="11548872" cy="6217920"/>
+          </a:xfrm>
+          <a:prstGeom prst="rect">
+            <a:avLst/>
+          </a:prstGeom>
+          <a:solidFill>
+            <a:schemeClr val="tx1">
+              <a:alpha val="8000"/>
+            </a:schemeClr>
+          </a:solidFill>
+          <a:ln w="127000" cap="sq" cmpd="thinThick">
+            <a:noFill/>
+          </a:ln>
+        </p:spPr>
+        <p:style>
+          <a:lnRef idx="2">
+            <a:schemeClr val="accent1">
+              <a:shade val="50000"/>
+            </a:schemeClr>
+          </a:lnRef>
+          <a:fillRef idx="1">
+            <a:schemeClr val="accent1"/>
+          </a:fillRef>
+          <a:effectRef idx="0">
+            <a:schemeClr val="accent1"/>
+          </a:effectRef>
+          <a:fontRef idx="minor">
+            <a:schemeClr val="lt1"/>
+          </a:fontRef>
+        </p:style>
+        <p:txBody>
+          <a:bodyPr rtlCol="0" anchor="ctr"/>
+          <a:lstStyle/>
+          <a:p>
+            <a:pPr algn="ctr"/>
+            <a:endParaRPr lang="en-US"/>
+          </a:p>
+        </p:txBody>
+      </p:sp>
+      <p:sp>
+        <p:nvSpPr>
+          <p:cNvPr id="8" name="Title 7">
+            <a:extLst>
+              <a:ext uri="{FF2B5EF4-FFF2-40B4-BE49-F238E27FC236}">
+                <a16:creationId xmlns:a16="http://schemas.microsoft.com/office/drawing/2014/main" id="{98206A15-C1C3-40C5-91E0-F1BAF3694C13}"/>
+              </a:ext>
+            </a:extLst>
+          </p:cNvPr>
+          <p:cNvSpPr>
+            <a:spLocks noGrp="1"/>
+          </p:cNvSpPr>
+          <p:nvPr>
+            <p:ph type="title"/>
+          </p:nvPr>
+        </p:nvSpPr>
+        <p:spPr>
+          <a:xfrm>
+            <a:off x="1525857" y="504840"/>
+            <a:ext cx="2409199" cy="1524142"/>
+          </a:xfrm>
+        </p:spPr>
+        <p:txBody>
+          <a:bodyPr>
+            <a:normAutofit/>
+          </a:bodyPr>
+          <a:lstStyle/>
+          <a:p>
+            <a:pPr algn="ctr"/>
+            <a:r>
+              <a:rPr lang="es-ES" sz="5400" dirty="0">
+                <a:solidFill>
+                  <a:schemeClr val="accent1"/>
+                </a:solidFill>
+                <a:latin typeface="Arial" panose="020B0604020202020204" pitchFamily="34" charset="0"/>
+                <a:cs typeface="Arial" panose="020B0604020202020204" pitchFamily="34" charset="0"/>
+              </a:rPr>
+              <a:t>Índice </a:t>
+            </a:r>
+          </a:p>
+        </p:txBody>
+      </p:sp>
+      <p:cxnSp>
+        <p:nvCxnSpPr>
+          <p:cNvPr id="21" name="Straight Connector 15">
+            <a:extLst>
+              <a:ext uri="{FF2B5EF4-FFF2-40B4-BE49-F238E27FC236}">
+                <a16:creationId xmlns:a16="http://schemas.microsoft.com/office/drawing/2014/main" id="{2D72A2C9-F3CA-4216-8BAD-FA4C970C3C4E}"/>
+              </a:ext>
+              <a:ext uri="{C183D7F6-B498-43B3-948B-1728B52AA6E4}">
+                <adec:decorative xmlns:adec="http://schemas.microsoft.com/office/drawing/2017/decorative" val="1"/>
+              </a:ext>
+            </a:extLst>
+          </p:cNvPr>
+          <p:cNvCxnSpPr>
+            <a:cxnSpLocks noGrp="1" noRot="1" noChangeAspect="1" noMove="1" noResize="1" noEditPoints="1" noAdjustHandles="1" noChangeArrowheads="1" noChangeShapeType="1"/>
+          </p:cNvCxnSpPr>
+          <p:nvPr>
+            <p:extLst>
+              <p:ext uri="{386F3935-93C4-4BCD-93E2-E3B085C9AB24}">
+                <p16:designElem xmlns:p16="http://schemas.microsoft.com/office/powerpoint/2015/main" val="1"/>
+              </p:ext>
+            </p:extLst>
+          </p:nvPr>
+        </p:nvCxnSpPr>
+        <p:spPr>
+          <a:xfrm>
+            <a:off x="4654296" y="2057400"/>
+            <a:ext cx="0" cy="2743200"/>
+          </a:xfrm>
+          <a:prstGeom prst="line">
+            <a:avLst/>
+          </a:prstGeom>
+          <a:ln w="19050">
+            <a:solidFill>
+              <a:schemeClr val="tx1">
+                <a:lumMod val="85000"/>
+                <a:lumOff val="15000"/>
+              </a:schemeClr>
+            </a:solidFill>
+          </a:ln>
+        </p:spPr>
+        <p:style>
+          <a:lnRef idx="1">
+            <a:schemeClr val="accent1"/>
+          </a:lnRef>
+          <a:fillRef idx="0">
+            <a:schemeClr val="accent1"/>
+          </a:fillRef>
+          <a:effectRef idx="0">
+            <a:schemeClr val="accent1"/>
+          </a:effectRef>
+          <a:fontRef idx="minor">
+            <a:schemeClr val="tx1"/>
+          </a:fontRef>
+        </p:style>
+      </p:cxnSp>
+      <p:sp>
+        <p:nvSpPr>
+          <p:cNvPr id="9" name="Content Placeholder 8">
+            <a:extLst>
+              <a:ext uri="{FF2B5EF4-FFF2-40B4-BE49-F238E27FC236}">
+                <a16:creationId xmlns:a16="http://schemas.microsoft.com/office/drawing/2014/main" id="{1F7AAFDA-37CE-4A10-AF31-A031E70F6509}"/>
+              </a:ext>
+            </a:extLst>
+          </p:cNvPr>
+          <p:cNvSpPr>
+            <a:spLocks noGrp="1"/>
+          </p:cNvSpPr>
+          <p:nvPr>
+            <p:ph idx="1"/>
+          </p:nvPr>
+        </p:nvSpPr>
+        <p:spPr>
+          <a:xfrm>
+            <a:off x="5373537" y="963877"/>
+            <a:ext cx="6377769" cy="4930246"/>
+          </a:xfrm>
+        </p:spPr>
+        <p:txBody>
+          <a:bodyPr anchor="ctr">
+            <a:normAutofit/>
+          </a:bodyPr>
+          <a:lstStyle/>
+          <a:p>
+            <a:r>
+              <a:rPr lang="es-ES" sz="2400" dirty="0"/>
+              <a:t>Contexto</a:t>
+            </a:r>
+          </a:p>
+          <a:p>
+            <a:r>
+              <a:rPr lang="es-ES" sz="2400" dirty="0"/>
+              <a:t>Objetivos</a:t>
+            </a:r>
+          </a:p>
+          <a:p>
+            <a:r>
+              <a:rPr lang="es-ES" sz="2400" dirty="0"/>
+              <a:t>Fundamentos teóricos</a:t>
+            </a:r>
+          </a:p>
+          <a:p>
+            <a:r>
+              <a:rPr lang="es-ES" sz="2400" dirty="0"/>
+              <a:t>Descripción de la Plataforma DevOps</a:t>
+            </a:r>
+          </a:p>
+          <a:p>
+            <a:r>
+              <a:rPr lang="es-ES" sz="2400" dirty="0"/>
+              <a:t>Resultados y Discusión</a:t>
+            </a:r>
+          </a:p>
+          <a:p>
+            <a:r>
+              <a:rPr lang="es-ES" sz="2400" dirty="0"/>
+              <a:t>Conclusiones</a:t>
+            </a:r>
+          </a:p>
+        </p:txBody>
+      </p:sp>
+      <p:pic>
+        <p:nvPicPr>
+          <p:cNvPr id="127" name="Picture 126">
+            <a:extLst>
+              <a:ext uri="{FF2B5EF4-FFF2-40B4-BE49-F238E27FC236}">
+                <a16:creationId xmlns:a16="http://schemas.microsoft.com/office/drawing/2014/main" id="{0A589424-3604-43F7-8691-ED9AF22EB41D}"/>
+              </a:ext>
+            </a:extLst>
+          </p:cNvPr>
+          <p:cNvPicPr>
+            <a:picLocks noChangeAspect="1"/>
+          </p:cNvPicPr>
+          <p:nvPr/>
+        </p:nvPicPr>
+        <p:blipFill>
+          <a:blip r:embed="rId3"/>
+          <a:stretch>
+            <a:fillRect/>
+          </a:stretch>
+        </p:blipFill>
+        <p:spPr>
+          <a:xfrm>
+            <a:off x="1525857" y="2241483"/>
+            <a:ext cx="2409199" cy="2392809"/>
+          </a:xfrm>
+          <a:prstGeom prst="rect">
+            <a:avLst/>
+          </a:prstGeom>
+        </p:spPr>
+      </p:pic>
+    </p:spTree>
+    <p:extLst>
+      <p:ext uri="{BB962C8B-B14F-4D97-AF65-F5344CB8AC3E}">
+        <p14:creationId xmlns:p14="http://schemas.microsoft.com/office/powerpoint/2010/main" val="3486752439"/>
+      </p:ext>
+    </p:extLst>
+  </p:cSld>
+  <p:clrMapOvr>
+    <a:masterClrMapping/>
+  </p:clrMapOvr>
+</p:sld>
+</file>
+
+<file path=ppt/slides/slide20.xml><?xml version="1.0" encoding="utf-8"?>
 <p:sld xmlns:a="http://schemas.openxmlformats.org/drawingml/2006/main" xmlns:r="http://schemas.openxmlformats.org/officeDocument/2006/relationships" xmlns:p="http://schemas.openxmlformats.org/presentationml/2006/main">
   <p:cSld>
     <p:bg>
@@ -40797,302 +42122,7 @@
 </p:sld>
 </file>
 
-<file path=ppt/slides/slide2.xml><?xml version="1.0" encoding="utf-8"?>
-<p:sld xmlns:a="http://schemas.openxmlformats.org/drawingml/2006/main" xmlns:r="http://schemas.openxmlformats.org/officeDocument/2006/relationships" xmlns:p="http://schemas.openxmlformats.org/presentationml/2006/main">
-  <p:cSld>
-    <p:bg>
-      <p:bgPr>
-        <a:solidFill>
-          <a:schemeClr val="bg1"/>
-        </a:solidFill>
-        <a:effectLst/>
-      </p:bgPr>
-    </p:bg>
-    <p:spTree>
-      <p:nvGrpSpPr>
-        <p:cNvPr id="1" name=""/>
-        <p:cNvGrpSpPr/>
-        <p:nvPr/>
-      </p:nvGrpSpPr>
-      <p:grpSpPr>
-        <a:xfrm>
-          <a:off x="0" y="0"/>
-          <a:ext cx="0" cy="0"/>
-          <a:chOff x="0" y="0"/>
-          <a:chExt cx="0" cy="0"/>
-        </a:xfrm>
-      </p:grpSpPr>
-      <p:sp>
-        <p:nvSpPr>
-          <p:cNvPr id="20" name="Rectangle 13">
-            <a:extLst>
-              <a:ext uri="{FF2B5EF4-FFF2-40B4-BE49-F238E27FC236}">
-                <a16:creationId xmlns:a16="http://schemas.microsoft.com/office/drawing/2014/main" id="{8D70B121-56F4-4848-B38B-182089D909FA}"/>
-              </a:ext>
-              <a:ext uri="{C183D7F6-B498-43B3-948B-1728B52AA6E4}">
-                <adec:decorative xmlns:adec="http://schemas.microsoft.com/office/drawing/2017/decorative" val="1"/>
-              </a:ext>
-            </a:extLst>
-          </p:cNvPr>
-          <p:cNvSpPr>
-            <a:spLocks noGrp="1" noRot="1" noChangeAspect="1" noMove="1" noResize="1" noEditPoints="1" noAdjustHandles="1" noChangeArrowheads="1" noChangeShapeType="1" noTextEdit="1"/>
-          </p:cNvSpPr>
-          <p:nvPr>
-            <p:extLst>
-              <p:ext uri="{386F3935-93C4-4BCD-93E2-E3B085C9AB24}">
-                <p16:designElem xmlns:p16="http://schemas.microsoft.com/office/powerpoint/2015/main" val="1"/>
-              </p:ext>
-            </p:extLst>
-          </p:nvPr>
-        </p:nvSpPr>
-        <p:spPr bwMode="ltGray">
-          <a:xfrm>
-            <a:off x="321564" y="320040"/>
-            <a:ext cx="11548872" cy="6217920"/>
-          </a:xfrm>
-          <a:prstGeom prst="rect">
-            <a:avLst/>
-          </a:prstGeom>
-          <a:solidFill>
-            <a:schemeClr val="tx1">
-              <a:alpha val="8000"/>
-            </a:schemeClr>
-          </a:solidFill>
-          <a:ln w="127000" cap="sq" cmpd="thinThick">
-            <a:noFill/>
-          </a:ln>
-        </p:spPr>
-        <p:style>
-          <a:lnRef idx="2">
-            <a:schemeClr val="accent1">
-              <a:shade val="50000"/>
-            </a:schemeClr>
-          </a:lnRef>
-          <a:fillRef idx="1">
-            <a:schemeClr val="accent1"/>
-          </a:fillRef>
-          <a:effectRef idx="0">
-            <a:schemeClr val="accent1"/>
-          </a:effectRef>
-          <a:fontRef idx="minor">
-            <a:schemeClr val="lt1"/>
-          </a:fontRef>
-        </p:style>
-        <p:txBody>
-          <a:bodyPr rtlCol="0" anchor="ctr"/>
-          <a:lstStyle/>
-          <a:p>
-            <a:pPr algn="ctr"/>
-            <a:endParaRPr lang="en-US"/>
-          </a:p>
-        </p:txBody>
-      </p:sp>
-      <p:sp>
-        <p:nvSpPr>
-          <p:cNvPr id="8" name="Title 7">
-            <a:extLst>
-              <a:ext uri="{FF2B5EF4-FFF2-40B4-BE49-F238E27FC236}">
-                <a16:creationId xmlns:a16="http://schemas.microsoft.com/office/drawing/2014/main" id="{98206A15-C1C3-40C5-91E0-F1BAF3694C13}"/>
-              </a:ext>
-            </a:extLst>
-          </p:cNvPr>
-          <p:cNvSpPr>
-            <a:spLocks noGrp="1"/>
-          </p:cNvSpPr>
-          <p:nvPr>
-            <p:ph type="title"/>
-          </p:nvPr>
-        </p:nvSpPr>
-        <p:spPr>
-          <a:xfrm>
-            <a:off x="1525857" y="504840"/>
-            <a:ext cx="2409199" cy="1524142"/>
-          </a:xfrm>
-        </p:spPr>
-        <p:txBody>
-          <a:bodyPr>
-            <a:normAutofit/>
-          </a:bodyPr>
-          <a:lstStyle/>
-          <a:p>
-            <a:pPr algn="ctr"/>
-            <a:r>
-              <a:rPr lang="es-ES" sz="5400" dirty="0">
-                <a:solidFill>
-                  <a:schemeClr val="accent1"/>
-                </a:solidFill>
-                <a:latin typeface="Arial" panose="020B0604020202020204" pitchFamily="34" charset="0"/>
-                <a:cs typeface="Arial" panose="020B0604020202020204" pitchFamily="34" charset="0"/>
-              </a:rPr>
-              <a:t>Índice </a:t>
-            </a:r>
-          </a:p>
-        </p:txBody>
-      </p:sp>
-      <p:cxnSp>
-        <p:nvCxnSpPr>
-          <p:cNvPr id="21" name="Straight Connector 15">
-            <a:extLst>
-              <a:ext uri="{FF2B5EF4-FFF2-40B4-BE49-F238E27FC236}">
-                <a16:creationId xmlns:a16="http://schemas.microsoft.com/office/drawing/2014/main" id="{2D72A2C9-F3CA-4216-8BAD-FA4C970C3C4E}"/>
-              </a:ext>
-              <a:ext uri="{C183D7F6-B498-43B3-948B-1728B52AA6E4}">
-                <adec:decorative xmlns:adec="http://schemas.microsoft.com/office/drawing/2017/decorative" val="1"/>
-              </a:ext>
-            </a:extLst>
-          </p:cNvPr>
-          <p:cNvCxnSpPr>
-            <a:cxnSpLocks noGrp="1" noRot="1" noChangeAspect="1" noMove="1" noResize="1" noEditPoints="1" noAdjustHandles="1" noChangeArrowheads="1" noChangeShapeType="1"/>
-          </p:cNvCxnSpPr>
-          <p:nvPr>
-            <p:extLst>
-              <p:ext uri="{386F3935-93C4-4BCD-93E2-E3B085C9AB24}">
-                <p16:designElem xmlns:p16="http://schemas.microsoft.com/office/powerpoint/2015/main" val="1"/>
-              </p:ext>
-            </p:extLst>
-          </p:nvPr>
-        </p:nvCxnSpPr>
-        <p:spPr>
-          <a:xfrm>
-            <a:off x="4654296" y="2057400"/>
-            <a:ext cx="0" cy="2743200"/>
-          </a:xfrm>
-          <a:prstGeom prst="line">
-            <a:avLst/>
-          </a:prstGeom>
-          <a:ln w="19050">
-            <a:solidFill>
-              <a:schemeClr val="tx1">
-                <a:lumMod val="85000"/>
-                <a:lumOff val="15000"/>
-              </a:schemeClr>
-            </a:solidFill>
-          </a:ln>
-        </p:spPr>
-        <p:style>
-          <a:lnRef idx="1">
-            <a:schemeClr val="accent1"/>
-          </a:lnRef>
-          <a:fillRef idx="0">
-            <a:schemeClr val="accent1"/>
-          </a:fillRef>
-          <a:effectRef idx="0">
-            <a:schemeClr val="accent1"/>
-          </a:effectRef>
-          <a:fontRef idx="minor">
-            <a:schemeClr val="tx1"/>
-          </a:fontRef>
-        </p:style>
-      </p:cxnSp>
-      <p:sp>
-        <p:nvSpPr>
-          <p:cNvPr id="9" name="Content Placeholder 8">
-            <a:extLst>
-              <a:ext uri="{FF2B5EF4-FFF2-40B4-BE49-F238E27FC236}">
-                <a16:creationId xmlns:a16="http://schemas.microsoft.com/office/drawing/2014/main" id="{1F7AAFDA-37CE-4A10-AF31-A031E70F6509}"/>
-              </a:ext>
-            </a:extLst>
-          </p:cNvPr>
-          <p:cNvSpPr>
-            <a:spLocks noGrp="1"/>
-          </p:cNvSpPr>
-          <p:nvPr>
-            <p:ph idx="1"/>
-          </p:nvPr>
-        </p:nvSpPr>
-        <p:spPr>
-          <a:xfrm>
-            <a:off x="5373537" y="963877"/>
-            <a:ext cx="6377769" cy="4930246"/>
-          </a:xfrm>
-        </p:spPr>
-        <p:txBody>
-          <a:bodyPr anchor="ctr">
-            <a:normAutofit/>
-          </a:bodyPr>
-          <a:lstStyle/>
-          <a:p>
-            <a:r>
-              <a:rPr lang="es-ES" sz="2400" dirty="0"/>
-              <a:t>Objetivos</a:t>
-            </a:r>
-          </a:p>
-          <a:p>
-            <a:r>
-              <a:rPr lang="es-ES" sz="2400" dirty="0"/>
-              <a:t>Contexto</a:t>
-            </a:r>
-          </a:p>
-          <a:p>
-            <a:r>
-              <a:rPr lang="es-ES" sz="2400" dirty="0"/>
-              <a:t>Fundamentos teóricos</a:t>
-            </a:r>
-          </a:p>
-          <a:p>
-            <a:r>
-              <a:rPr lang="es-ES" sz="2400" dirty="0"/>
-              <a:t>Descripción de la Plataforma DevOps</a:t>
-            </a:r>
-          </a:p>
-          <a:p>
-            <a:r>
-              <a:rPr lang="es-ES" sz="2400" dirty="0"/>
-              <a:t>Resultados y Discusión</a:t>
-            </a:r>
-          </a:p>
-          <a:p>
-            <a:r>
-              <a:rPr lang="es-ES" sz="2400" dirty="0"/>
-              <a:t>Conclusiones</a:t>
-            </a:r>
-          </a:p>
-        </p:txBody>
-      </p:sp>
-      <p:pic>
-        <p:nvPicPr>
-          <p:cNvPr id="127" name="Picture 126">
-            <a:extLst>
-              <a:ext uri="{FF2B5EF4-FFF2-40B4-BE49-F238E27FC236}">
-                <a16:creationId xmlns:a16="http://schemas.microsoft.com/office/drawing/2014/main" id="{0A589424-3604-43F7-8691-ED9AF22EB41D}"/>
-              </a:ext>
-            </a:extLst>
-          </p:cNvPr>
-          <p:cNvPicPr>
-            <a:picLocks noChangeAspect="1"/>
-          </p:cNvPicPr>
-          <p:nvPr/>
-        </p:nvPicPr>
-        <p:blipFill>
-          <a:blip r:embed="rId3"/>
-          <a:stretch>
-            <a:fillRect/>
-          </a:stretch>
-        </p:blipFill>
-        <p:spPr>
-          <a:xfrm>
-            <a:off x="1525857" y="2241483"/>
-            <a:ext cx="2409199" cy="2392809"/>
-          </a:xfrm>
-          <a:prstGeom prst="rect">
-            <a:avLst/>
-          </a:prstGeom>
-        </p:spPr>
-      </p:pic>
-    </p:spTree>
-    <p:extLst>
-      <p:ext uri="{BB962C8B-B14F-4D97-AF65-F5344CB8AC3E}">
-        <p14:creationId xmlns:p14="http://schemas.microsoft.com/office/powerpoint/2010/main" val="3486752439"/>
-      </p:ext>
-    </p:extLst>
-  </p:cSld>
-  <p:clrMapOvr>
-    <a:masterClrMapping/>
-  </p:clrMapOvr>
-</p:sld>
-</file>
-
-<file path=ppt/slides/slide20.xml><?xml version="1.0" encoding="utf-8"?>
+<file path=ppt/slides/slide21.xml><?xml version="1.0" encoding="utf-8"?>
 <p:sld xmlns:a="http://schemas.openxmlformats.org/drawingml/2006/main" xmlns:r="http://schemas.openxmlformats.org/officeDocument/2006/relationships" xmlns:p="http://schemas.openxmlformats.org/presentationml/2006/main">
   <p:cSld>
     <p:bg>
@@ -41354,7 +42384,7 @@
 </p:sld>
 </file>
 
-<file path=ppt/slides/slide21.xml><?xml version="1.0" encoding="utf-8"?>
+<file path=ppt/slides/slide22.xml><?xml version="1.0" encoding="utf-8"?>
 <p:sld xmlns:a="http://schemas.openxmlformats.org/drawingml/2006/main" xmlns:r="http://schemas.openxmlformats.org/officeDocument/2006/relationships" xmlns:p="http://schemas.openxmlformats.org/presentationml/2006/main">
   <p:cSld>
     <p:bg>
@@ -41593,7 +42623,7 @@
 </p:sld>
 </file>
 
-<file path=ppt/slides/slide22.xml><?xml version="1.0" encoding="utf-8"?>
+<file path=ppt/slides/slide23.xml><?xml version="1.0" encoding="utf-8"?>
 <p:sld xmlns:a="http://schemas.openxmlformats.org/drawingml/2006/main" xmlns:r="http://schemas.openxmlformats.org/officeDocument/2006/relationships" xmlns:p="http://schemas.openxmlformats.org/presentationml/2006/main">
   <p:cSld>
     <p:bg>
@@ -41855,7 +42885,7 @@
 </p:sld>
 </file>
 
-<file path=ppt/slides/slide23.xml><?xml version="1.0" encoding="utf-8"?>
+<file path=ppt/slides/slide24.xml><?xml version="1.0" encoding="utf-8"?>
 <p:sld xmlns:a="http://schemas.openxmlformats.org/drawingml/2006/main" xmlns:r="http://schemas.openxmlformats.org/officeDocument/2006/relationships" xmlns:p="http://schemas.openxmlformats.org/presentationml/2006/main">
   <p:cSld>
     <p:bg>
@@ -42473,7 +43503,7 @@
 </p:sld>
 </file>
 
-<file path=ppt/slides/slide24.xml><?xml version="1.0" encoding="utf-8"?>
+<file path=ppt/slides/slide25.xml><?xml version="1.0" encoding="utf-8"?>
 <p:sld xmlns:a="http://schemas.openxmlformats.org/drawingml/2006/main" xmlns:r="http://schemas.openxmlformats.org/officeDocument/2006/relationships" xmlns:p="http://schemas.openxmlformats.org/presentationml/2006/main">
   <p:cSld>
     <p:bg>
@@ -42997,7 +44027,7 @@
 </p:sld>
 </file>
 
-<file path=ppt/slides/slide25.xml><?xml version="1.0" encoding="utf-8"?>
+<file path=ppt/slides/slide26.xml><?xml version="1.0" encoding="utf-8"?>
 <p:sld xmlns:a="http://schemas.openxmlformats.org/drawingml/2006/main" xmlns:r="http://schemas.openxmlformats.org/officeDocument/2006/relationships" xmlns:p="http://schemas.openxmlformats.org/presentationml/2006/main">
   <p:cSld>
     <p:spTree>
@@ -43081,7 +44111,336 @@
 </p:sld>
 </file>
 
-<file path=ppt/slides/slide26.xml><?xml version="1.0" encoding="utf-8"?>
+<file path=ppt/slides/slide27.xml><?xml version="1.0" encoding="utf-8"?>
+<p:sld xmlns:a="http://schemas.openxmlformats.org/drawingml/2006/main" xmlns:r="http://schemas.openxmlformats.org/officeDocument/2006/relationships" xmlns:p="http://schemas.openxmlformats.org/presentationml/2006/main">
+  <p:cSld>
+    <p:bg>
+      <p:bgPr>
+        <a:solidFill>
+          <a:schemeClr val="bg1"/>
+        </a:solidFill>
+        <a:effectLst/>
+      </p:bgPr>
+    </p:bg>
+    <p:spTree>
+      <p:nvGrpSpPr>
+        <p:cNvPr id="1" name=""/>
+        <p:cNvGrpSpPr/>
+        <p:nvPr/>
+      </p:nvGrpSpPr>
+      <p:grpSpPr>
+        <a:xfrm>
+          <a:off x="0" y="0"/>
+          <a:ext cx="0" cy="0"/>
+          <a:chOff x="0" y="0"/>
+          <a:chExt cx="0" cy="0"/>
+        </a:xfrm>
+      </p:grpSpPr>
+      <p:sp useBgFill="1">
+        <p:nvSpPr>
+          <p:cNvPr id="9" name="Rectangle 8">
+            <a:extLst>
+              <a:ext uri="{FF2B5EF4-FFF2-40B4-BE49-F238E27FC236}">
+                <a16:creationId xmlns:a16="http://schemas.microsoft.com/office/drawing/2014/main" id="{5A59F003-E00A-43F9-91DC-CC54E3B87466}"/>
+              </a:ext>
+              <a:ext uri="{C183D7F6-B498-43B3-948B-1728B52AA6E4}">
+                <adec:decorative xmlns:adec="http://schemas.microsoft.com/office/drawing/2017/decorative" val="1"/>
+              </a:ext>
+            </a:extLst>
+          </p:cNvPr>
+          <p:cNvSpPr>
+            <a:spLocks noGrp="1" noRot="1" noChangeAspect="1" noMove="1" noResize="1" noEditPoints="1" noAdjustHandles="1" noChangeArrowheads="1" noChangeShapeType="1" noTextEdit="1"/>
+          </p:cNvSpPr>
+          <p:nvPr>
+            <p:extLst>
+              <p:ext uri="{386F3935-93C4-4BCD-93E2-E3B085C9AB24}">
+                <p16:designElem xmlns:p16="http://schemas.microsoft.com/office/powerpoint/2015/main" val="1"/>
+              </p:ext>
+            </p:extLst>
+          </p:nvPr>
+        </p:nvSpPr>
+        <p:spPr>
+          <a:xfrm>
+            <a:off x="0" y="0"/>
+            <a:ext cx="12192000" cy="6858000"/>
+          </a:xfrm>
+          <a:prstGeom prst="rect">
+            <a:avLst/>
+          </a:prstGeom>
+          <a:ln>
+            <a:noFill/>
+          </a:ln>
+        </p:spPr>
+        <p:style>
+          <a:lnRef idx="2">
+            <a:schemeClr val="accent1">
+              <a:shade val="50000"/>
+            </a:schemeClr>
+          </a:lnRef>
+          <a:fillRef idx="1">
+            <a:schemeClr val="accent1"/>
+          </a:fillRef>
+          <a:effectRef idx="0">
+            <a:schemeClr val="accent1"/>
+          </a:effectRef>
+          <a:fontRef idx="minor">
+            <a:schemeClr val="lt1"/>
+          </a:fontRef>
+        </p:style>
+        <p:txBody>
+          <a:bodyPr rtlCol="0" anchor="ctr"/>
+          <a:lstStyle/>
+          <a:p>
+            <a:pPr algn="ctr"/>
+            <a:endParaRPr lang="en-US"/>
+          </a:p>
+        </p:txBody>
+      </p:sp>
+      <p:pic>
+        <p:nvPicPr>
+          <p:cNvPr id="5" name="Picture 4" descr="Palomitas y bebida en una cine rojo vacío">
+            <a:extLst>
+              <a:ext uri="{FF2B5EF4-FFF2-40B4-BE49-F238E27FC236}">
+                <a16:creationId xmlns:a16="http://schemas.microsoft.com/office/drawing/2014/main" id="{88A1E988-5AF1-A721-6A04-5EE3D642814D}"/>
+              </a:ext>
+            </a:extLst>
+          </p:cNvPr>
+          <p:cNvPicPr>
+            <a:picLocks noChangeAspect="1"/>
+          </p:cNvPicPr>
+          <p:nvPr/>
+        </p:nvPicPr>
+        <p:blipFill rotWithShape="1">
+          <a:blip r:embed="rId3"/>
+          <a:srcRect t="15413"/>
+          <a:stretch/>
+        </p:blipFill>
+        <p:spPr>
+          <a:xfrm>
+            <a:off x="20" y="10"/>
+            <a:ext cx="12191981" cy="6857990"/>
+          </a:xfrm>
+          <a:prstGeom prst="rect">
+            <a:avLst/>
+          </a:prstGeom>
+        </p:spPr>
+      </p:pic>
+      <p:sp>
+        <p:nvSpPr>
+          <p:cNvPr id="11" name="Rectangle 10">
+            <a:extLst>
+              <a:ext uri="{FF2B5EF4-FFF2-40B4-BE49-F238E27FC236}">
+                <a16:creationId xmlns:a16="http://schemas.microsoft.com/office/drawing/2014/main" id="{D74A4382-E3AD-430A-9A1F-DFA3E0E77A7D}"/>
+              </a:ext>
+              <a:ext uri="{C183D7F6-B498-43B3-948B-1728B52AA6E4}">
+                <adec:decorative xmlns:adec="http://schemas.microsoft.com/office/drawing/2017/decorative" val="1"/>
+              </a:ext>
+            </a:extLst>
+          </p:cNvPr>
+          <p:cNvSpPr>
+            <a:spLocks noGrp="1" noRot="1" noChangeAspect="1" noMove="1" noResize="1" noEditPoints="1" noAdjustHandles="1" noChangeArrowheads="1" noChangeShapeType="1" noTextEdit="1"/>
+          </p:cNvSpPr>
+          <p:nvPr>
+            <p:extLst>
+              <p:ext uri="{386F3935-93C4-4BCD-93E2-E3B085C9AB24}">
+                <p16:designElem xmlns:p16="http://schemas.microsoft.com/office/powerpoint/2015/main" val="1"/>
+              </p:ext>
+            </p:extLst>
+          </p:nvPr>
+        </p:nvSpPr>
+        <p:spPr>
+          <a:xfrm rot="16200000">
+            <a:off x="3799865" y="-1524511"/>
+            <a:ext cx="4592270" cy="12192001"/>
+          </a:xfrm>
+          <a:prstGeom prst="rect">
+            <a:avLst/>
+          </a:prstGeom>
+          <a:gradFill>
+            <a:gsLst>
+              <a:gs pos="35000">
+                <a:schemeClr val="tx1">
+                  <a:alpha val="46000"/>
+                </a:schemeClr>
+              </a:gs>
+              <a:gs pos="21000">
+                <a:schemeClr val="tx1">
+                  <a:alpha val="30000"/>
+                </a:schemeClr>
+              </a:gs>
+              <a:gs pos="0">
+                <a:schemeClr val="tx1">
+                  <a:alpha val="0"/>
+                </a:schemeClr>
+              </a:gs>
+              <a:gs pos="100000">
+                <a:schemeClr val="tx1">
+                  <a:alpha val="90000"/>
+                </a:schemeClr>
+              </a:gs>
+            </a:gsLst>
+            <a:lin ang="10800000" scaled="0"/>
+          </a:gradFill>
+          <a:ln>
+            <a:noFill/>
+          </a:ln>
+        </p:spPr>
+        <p:style>
+          <a:lnRef idx="2">
+            <a:schemeClr val="accent1">
+              <a:shade val="50000"/>
+            </a:schemeClr>
+          </a:lnRef>
+          <a:fillRef idx="1">
+            <a:schemeClr val="accent1"/>
+          </a:fillRef>
+          <a:effectRef idx="0">
+            <a:schemeClr val="accent1"/>
+          </a:effectRef>
+          <a:fontRef idx="minor">
+            <a:schemeClr val="lt1"/>
+          </a:fontRef>
+        </p:style>
+        <p:txBody>
+          <a:bodyPr rtlCol="0" anchor="ctr"/>
+          <a:lstStyle/>
+          <a:p>
+            <a:pPr algn="ctr"/>
+            <a:endParaRPr lang="en-US" dirty="0"/>
+          </a:p>
+        </p:txBody>
+      </p:sp>
+      <p:sp>
+        <p:nvSpPr>
+          <p:cNvPr id="2" name="Title 1">
+            <a:extLst>
+              <a:ext uri="{FF2B5EF4-FFF2-40B4-BE49-F238E27FC236}">
+                <a16:creationId xmlns:a16="http://schemas.microsoft.com/office/drawing/2014/main" id="{37CE4368-2B7E-16B0-B037-E846F820F0B8}"/>
+              </a:ext>
+            </a:extLst>
+          </p:cNvPr>
+          <p:cNvSpPr>
+            <a:spLocks noGrp="1"/>
+          </p:cNvSpPr>
+          <p:nvPr>
+            <p:ph type="title"/>
+          </p:nvPr>
+        </p:nvSpPr>
+        <p:spPr>
+          <a:xfrm>
+            <a:off x="404553" y="3091928"/>
+            <a:ext cx="9078562" cy="2387600"/>
+          </a:xfrm>
+        </p:spPr>
+        <p:txBody>
+          <a:bodyPr vert="horz" lIns="91440" tIns="45720" rIns="91440" bIns="45720" rtlCol="0" anchor="b">
+            <a:normAutofit/>
+          </a:bodyPr>
+          <a:lstStyle/>
+          <a:p>
+            <a:r>
+              <a:rPr lang="en-US" sz="6600" dirty="0">
+                <a:solidFill>
+                  <a:schemeClr val="bg1"/>
+                </a:solidFill>
+              </a:rPr>
+              <a:t>Video </a:t>
+            </a:r>
+            <a:r>
+              <a:rPr lang="en-US" sz="6600" dirty="0" err="1">
+                <a:solidFill>
+                  <a:schemeClr val="bg1"/>
+                </a:solidFill>
+              </a:rPr>
+              <a:t>Demostración</a:t>
+            </a:r>
+            <a:endParaRPr lang="en-US" sz="6600" dirty="0">
+              <a:solidFill>
+                <a:schemeClr val="bg1"/>
+              </a:solidFill>
+            </a:endParaRPr>
+          </a:p>
+        </p:txBody>
+      </p:sp>
+      <p:sp>
+        <p:nvSpPr>
+          <p:cNvPr id="13" name="Rectangle: Rounded Corners 12">
+            <a:extLst>
+              <a:ext uri="{FF2B5EF4-FFF2-40B4-BE49-F238E27FC236}">
+                <a16:creationId xmlns:a16="http://schemas.microsoft.com/office/drawing/2014/main" id="{79F40191-0F44-4FD1-82CC-ACB507C14BE6}"/>
+              </a:ext>
+              <a:ext uri="{C183D7F6-B498-43B3-948B-1728B52AA6E4}">
+                <adec:decorative xmlns:adec="http://schemas.microsoft.com/office/drawing/2017/decorative" val="1"/>
+              </a:ext>
+            </a:extLst>
+          </p:cNvPr>
+          <p:cNvSpPr>
+            <a:spLocks noGrp="1" noRot="1" noChangeAspect="1" noMove="1" noResize="1" noEditPoints="1" noAdjustHandles="1" noChangeArrowheads="1" noChangeShapeType="1" noTextEdit="1"/>
+          </p:cNvSpPr>
+          <p:nvPr>
+            <p:extLst>
+              <p:ext uri="{386F3935-93C4-4BCD-93E2-E3B085C9AB24}">
+                <p16:designElem xmlns:p16="http://schemas.microsoft.com/office/powerpoint/2015/main" val="1"/>
+              </p:ext>
+            </p:extLst>
+          </p:nvPr>
+        </p:nvSpPr>
+        <p:spPr>
+          <a:xfrm>
+            <a:off x="0" y="5575039"/>
+            <a:ext cx="9785897" cy="685800"/>
+          </a:xfrm>
+          <a:prstGeom prst="roundRect">
+            <a:avLst>
+              <a:gd name="adj" fmla="val 0"/>
+            </a:avLst>
+          </a:prstGeom>
+          <a:solidFill>
+            <a:schemeClr val="accent2"/>
+          </a:solidFill>
+          <a:ln>
+            <a:noFill/>
+          </a:ln>
+        </p:spPr>
+        <p:style>
+          <a:lnRef idx="2">
+            <a:schemeClr val="accent1">
+              <a:shade val="50000"/>
+            </a:schemeClr>
+          </a:lnRef>
+          <a:fillRef idx="1">
+            <a:schemeClr val="accent1"/>
+          </a:fillRef>
+          <a:effectRef idx="0">
+            <a:schemeClr val="accent1"/>
+          </a:effectRef>
+          <a:fontRef idx="minor">
+            <a:schemeClr val="lt1"/>
+          </a:fontRef>
+        </p:style>
+        <p:txBody>
+          <a:bodyPr rtlCol="0" anchor="ctr"/>
+          <a:lstStyle/>
+          <a:p>
+            <a:pPr algn="ctr"/>
+            <a:endParaRPr lang="en-US"/>
+          </a:p>
+        </p:txBody>
+      </p:sp>
+    </p:spTree>
+    <p:extLst>
+      <p:ext uri="{BB962C8B-B14F-4D97-AF65-F5344CB8AC3E}">
+        <p14:creationId xmlns:p14="http://schemas.microsoft.com/office/powerpoint/2010/main" val="2095851732"/>
+      </p:ext>
+    </p:extLst>
+  </p:cSld>
+  <p:clrMapOvr>
+    <a:masterClrMapping/>
+  </p:clrMapOvr>
+</p:sld>
+</file>
+
+<file path=ppt/slides/slide28.xml><?xml version="1.0" encoding="utf-8"?>
 <p:sld xmlns:a="http://schemas.openxmlformats.org/drawingml/2006/main" xmlns:r="http://schemas.openxmlformats.org/officeDocument/2006/relationships" xmlns:p="http://schemas.openxmlformats.org/presentationml/2006/main">
   <p:cSld>
     <p:bg>
@@ -43369,7 +44728,10 @@
           </a:bodyPr>
           <a:lstStyle/>
           <a:p>
-            <a:endParaRPr lang="es-ES"/>
+            <a:r>
+              <a:rPr lang="es-ES" dirty="0"/>
+              <a:t>Momento para preguntas y aclaraciones.</a:t>
+            </a:r>
           </a:p>
         </p:txBody>
       </p:sp>
@@ -43387,414 +44749,6 @@
 </file>
 
 <file path=ppt/slides/slide3.xml><?xml version="1.0" encoding="utf-8"?>
-<p:sld xmlns:a="http://schemas.openxmlformats.org/drawingml/2006/main" xmlns:r="http://schemas.openxmlformats.org/officeDocument/2006/relationships" xmlns:p="http://schemas.openxmlformats.org/presentationml/2006/main">
-  <p:cSld>
-    <p:bg>
-      <p:bgPr>
-        <a:solidFill>
-          <a:schemeClr val="bg1"/>
-        </a:solidFill>
-        <a:effectLst/>
-      </p:bgPr>
-    </p:bg>
-    <p:spTree>
-      <p:nvGrpSpPr>
-        <p:cNvPr id="1" name=""/>
-        <p:cNvGrpSpPr/>
-        <p:nvPr/>
-      </p:nvGrpSpPr>
-      <p:grpSpPr>
-        <a:xfrm>
-          <a:off x="0" y="0"/>
-          <a:ext cx="0" cy="0"/>
-          <a:chOff x="0" y="0"/>
-          <a:chExt cx="0" cy="0"/>
-        </a:xfrm>
-      </p:grpSpPr>
-      <p:sp>
-        <p:nvSpPr>
-          <p:cNvPr id="2" name="Title 1">
-            <a:extLst>
-              <a:ext uri="{FF2B5EF4-FFF2-40B4-BE49-F238E27FC236}">
-                <a16:creationId xmlns:a16="http://schemas.microsoft.com/office/drawing/2014/main" id="{F6681168-643D-41C4-B6E2-CB509CD498D2}"/>
-              </a:ext>
-            </a:extLst>
-          </p:cNvPr>
-          <p:cNvSpPr>
-            <a:spLocks noGrp="1"/>
-          </p:cNvSpPr>
-          <p:nvPr>
-            <p:ph type="title"/>
-          </p:nvPr>
-        </p:nvSpPr>
-        <p:spPr>
-          <a:xfrm>
-            <a:off x="643465" y="3433763"/>
-            <a:ext cx="4809068" cy="2743200"/>
-          </a:xfrm>
-        </p:spPr>
-        <p:txBody>
-          <a:bodyPr anchor="t">
-            <a:normAutofit/>
-          </a:bodyPr>
-          <a:lstStyle/>
-          <a:p>
-            <a:pPr algn="ctr"/>
-            <a:r>
-              <a:rPr lang="es-ES" sz="5400" dirty="0">
-                <a:solidFill>
-                  <a:schemeClr val="accent1"/>
-                </a:solidFill>
-                <a:latin typeface="Arial" panose="020B0604020202020204" pitchFamily="34" charset="0"/>
-                <a:cs typeface="Arial" panose="020B0604020202020204" pitchFamily="34" charset="0"/>
-              </a:rPr>
-              <a:t>Objetivos (I)</a:t>
-            </a:r>
-          </a:p>
-        </p:txBody>
-      </p:sp>
-      <p:sp>
-        <p:nvSpPr>
-          <p:cNvPr id="10" name="Rectangle 9">
-            <a:extLst>
-              <a:ext uri="{FF2B5EF4-FFF2-40B4-BE49-F238E27FC236}">
-                <a16:creationId xmlns:a16="http://schemas.microsoft.com/office/drawing/2014/main" id="{73144208-AAFC-4C3A-A4F1-EF3D72AF4C4C}"/>
-              </a:ext>
-              <a:ext uri="{C183D7F6-B498-43B3-948B-1728B52AA6E4}">
-                <adec:decorative xmlns:adec="http://schemas.microsoft.com/office/drawing/2017/decorative" val="1"/>
-              </a:ext>
-            </a:extLst>
-          </p:cNvPr>
-          <p:cNvSpPr>
-            <a:spLocks noGrp="1" noRot="1" noChangeAspect="1" noMove="1" noResize="1" noEditPoints="1" noAdjustHandles="1" noChangeArrowheads="1" noChangeShapeType="1" noTextEdit="1"/>
-          </p:cNvSpPr>
-          <p:nvPr>
-            <p:extLst>
-              <p:ext uri="{386F3935-93C4-4BCD-93E2-E3B085C9AB24}">
-                <p16:designElem xmlns:p16="http://schemas.microsoft.com/office/powerpoint/2015/main" val="1"/>
-              </p:ext>
-            </p:extLst>
-          </p:nvPr>
-        </p:nvSpPr>
-        <p:spPr>
-          <a:xfrm>
-            <a:off x="6096000" y="0"/>
-            <a:ext cx="6096001" cy="6858000"/>
-          </a:xfrm>
-          <a:prstGeom prst="rect">
-            <a:avLst/>
-          </a:prstGeom>
-          <a:solidFill>
-            <a:schemeClr val="bg2"/>
-          </a:solidFill>
-          <a:ln>
-            <a:noFill/>
-          </a:ln>
-        </p:spPr>
-        <p:style>
-          <a:lnRef idx="2">
-            <a:schemeClr val="accent1">
-              <a:shade val="50000"/>
-            </a:schemeClr>
-          </a:lnRef>
-          <a:fillRef idx="1">
-            <a:schemeClr val="accent1"/>
-          </a:fillRef>
-          <a:effectRef idx="0">
-            <a:schemeClr val="accent1"/>
-          </a:effectRef>
-          <a:fontRef idx="minor">
-            <a:schemeClr val="lt1"/>
-          </a:fontRef>
-        </p:style>
-        <p:txBody>
-          <a:bodyPr rtlCol="0" anchor="ctr"/>
-          <a:lstStyle/>
-          <a:p>
-            <a:pPr algn="ctr"/>
-            <a:endParaRPr lang="en-US"/>
-          </a:p>
-        </p:txBody>
-      </p:sp>
-      <p:graphicFrame>
-        <p:nvGraphicFramePr>
-          <p:cNvPr id="13" name="Content Placeholder 2">
-            <a:extLst>
-              <a:ext uri="{FF2B5EF4-FFF2-40B4-BE49-F238E27FC236}">
-                <a16:creationId xmlns:a16="http://schemas.microsoft.com/office/drawing/2014/main" id="{D23E3CCC-7369-AD77-3231-236BBB33023F}"/>
-              </a:ext>
-            </a:extLst>
-          </p:cNvPr>
-          <p:cNvGraphicFramePr>
-            <a:graphicFrameLocks noGrp="1"/>
-          </p:cNvGraphicFramePr>
-          <p:nvPr>
-            <p:ph idx="1"/>
-            <p:extLst>
-              <p:ext uri="{D42A27DB-BD31-4B8C-83A1-F6EECF244321}">
-                <p14:modId xmlns:p14="http://schemas.microsoft.com/office/powerpoint/2010/main" val="2390187293"/>
-              </p:ext>
-            </p:extLst>
-          </p:nvPr>
-        </p:nvGraphicFramePr>
-        <p:xfrm>
-          <a:off x="6096000" y="168166"/>
-          <a:ext cx="6095999" cy="6463861"/>
-        </p:xfrm>
-        <a:graphic>
-          <a:graphicData uri="http://schemas.openxmlformats.org/drawingml/2006/diagram">
-            <dgm:relIds xmlns:dgm="http://schemas.openxmlformats.org/drawingml/2006/diagram" xmlns:r="http://schemas.openxmlformats.org/officeDocument/2006/relationships" r:dm="rId3" r:lo="rId4" r:qs="rId5" r:cs="rId6"/>
-          </a:graphicData>
-        </a:graphic>
-      </p:graphicFrame>
-      <p:pic>
-        <p:nvPicPr>
-          <p:cNvPr id="5" name="Picture 4">
-            <a:extLst>
-              <a:ext uri="{FF2B5EF4-FFF2-40B4-BE49-F238E27FC236}">
-                <a16:creationId xmlns:a16="http://schemas.microsoft.com/office/drawing/2014/main" id="{F30B4C52-13C3-446C-B341-D391A16F00AF}"/>
-              </a:ext>
-            </a:extLst>
-          </p:cNvPr>
-          <p:cNvPicPr>
-            <a:picLocks noChangeAspect="1"/>
-          </p:cNvPicPr>
-          <p:nvPr/>
-        </p:nvPicPr>
-        <p:blipFill>
-          <a:blip r:embed="rId8"/>
-          <a:stretch>
-            <a:fillRect/>
-          </a:stretch>
-        </p:blipFill>
-        <p:spPr>
-          <a:xfrm>
-            <a:off x="2108199" y="1049867"/>
-            <a:ext cx="1879600" cy="1892475"/>
-          </a:xfrm>
-          <a:prstGeom prst="rect">
-            <a:avLst/>
-          </a:prstGeom>
-        </p:spPr>
-      </p:pic>
-    </p:spTree>
-    <p:extLst>
-      <p:ext uri="{BB962C8B-B14F-4D97-AF65-F5344CB8AC3E}">
-        <p14:creationId xmlns:p14="http://schemas.microsoft.com/office/powerpoint/2010/main" val="1534835535"/>
-      </p:ext>
-    </p:extLst>
-  </p:cSld>
-  <p:clrMapOvr>
-    <a:masterClrMapping/>
-  </p:clrMapOvr>
-</p:sld>
-</file>
-
-<file path=ppt/slides/slide4.xml><?xml version="1.0" encoding="utf-8"?>
-<p:sld xmlns:a="http://schemas.openxmlformats.org/drawingml/2006/main" xmlns:r="http://schemas.openxmlformats.org/officeDocument/2006/relationships" xmlns:p="http://schemas.openxmlformats.org/presentationml/2006/main">
-  <p:cSld>
-    <p:bg>
-      <p:bgPr>
-        <a:solidFill>
-          <a:schemeClr val="bg1"/>
-        </a:solidFill>
-        <a:effectLst/>
-      </p:bgPr>
-    </p:bg>
-    <p:spTree>
-      <p:nvGrpSpPr>
-        <p:cNvPr id="1" name=""/>
-        <p:cNvGrpSpPr/>
-        <p:nvPr/>
-      </p:nvGrpSpPr>
-      <p:grpSpPr>
-        <a:xfrm>
-          <a:off x="0" y="0"/>
-          <a:ext cx="0" cy="0"/>
-          <a:chOff x="0" y="0"/>
-          <a:chExt cx="0" cy="0"/>
-        </a:xfrm>
-      </p:grpSpPr>
-      <p:sp>
-        <p:nvSpPr>
-          <p:cNvPr id="2" name="Title 1">
-            <a:extLst>
-              <a:ext uri="{FF2B5EF4-FFF2-40B4-BE49-F238E27FC236}">
-                <a16:creationId xmlns:a16="http://schemas.microsoft.com/office/drawing/2014/main" id="{F6681168-643D-41C4-B6E2-CB509CD498D2}"/>
-              </a:ext>
-            </a:extLst>
-          </p:cNvPr>
-          <p:cNvSpPr>
-            <a:spLocks noGrp="1"/>
-          </p:cNvSpPr>
-          <p:nvPr>
-            <p:ph type="title"/>
-          </p:nvPr>
-        </p:nvSpPr>
-        <p:spPr>
-          <a:xfrm>
-            <a:off x="643465" y="3433763"/>
-            <a:ext cx="4809068" cy="2743200"/>
-          </a:xfrm>
-        </p:spPr>
-        <p:txBody>
-          <a:bodyPr anchor="t">
-            <a:normAutofit/>
-          </a:bodyPr>
-          <a:lstStyle/>
-          <a:p>
-            <a:pPr algn="ctr"/>
-            <a:r>
-              <a:rPr lang="es-ES" sz="5400" dirty="0">
-                <a:solidFill>
-                  <a:schemeClr val="accent1"/>
-                </a:solidFill>
-                <a:latin typeface="Arial" panose="020B0604020202020204" pitchFamily="34" charset="0"/>
-                <a:cs typeface="Arial" panose="020B0604020202020204" pitchFamily="34" charset="0"/>
-              </a:rPr>
-              <a:t>Objetivos (II)</a:t>
-            </a:r>
-          </a:p>
-        </p:txBody>
-      </p:sp>
-      <p:sp>
-        <p:nvSpPr>
-          <p:cNvPr id="10" name="Rectangle 9">
-            <a:extLst>
-              <a:ext uri="{FF2B5EF4-FFF2-40B4-BE49-F238E27FC236}">
-                <a16:creationId xmlns:a16="http://schemas.microsoft.com/office/drawing/2014/main" id="{73144208-AAFC-4C3A-A4F1-EF3D72AF4C4C}"/>
-              </a:ext>
-              <a:ext uri="{C183D7F6-B498-43B3-948B-1728B52AA6E4}">
-                <adec:decorative xmlns:adec="http://schemas.microsoft.com/office/drawing/2017/decorative" val="1"/>
-              </a:ext>
-            </a:extLst>
-          </p:cNvPr>
-          <p:cNvSpPr>
-            <a:spLocks noGrp="1" noRot="1" noChangeAspect="1" noMove="1" noResize="1" noEditPoints="1" noAdjustHandles="1" noChangeArrowheads="1" noChangeShapeType="1" noTextEdit="1"/>
-          </p:cNvSpPr>
-          <p:nvPr>
-            <p:extLst>
-              <p:ext uri="{386F3935-93C4-4BCD-93E2-E3B085C9AB24}">
-                <p16:designElem xmlns:p16="http://schemas.microsoft.com/office/powerpoint/2015/main" val="1"/>
-              </p:ext>
-            </p:extLst>
-          </p:nvPr>
-        </p:nvSpPr>
-        <p:spPr>
-          <a:xfrm>
-            <a:off x="6096000" y="0"/>
-            <a:ext cx="6096001" cy="6858000"/>
-          </a:xfrm>
-          <a:prstGeom prst="rect">
-            <a:avLst/>
-          </a:prstGeom>
-          <a:solidFill>
-            <a:schemeClr val="bg2"/>
-          </a:solidFill>
-          <a:ln>
-            <a:noFill/>
-          </a:ln>
-        </p:spPr>
-        <p:style>
-          <a:lnRef idx="2">
-            <a:schemeClr val="accent1">
-              <a:shade val="50000"/>
-            </a:schemeClr>
-          </a:lnRef>
-          <a:fillRef idx="1">
-            <a:schemeClr val="accent1"/>
-          </a:fillRef>
-          <a:effectRef idx="0">
-            <a:schemeClr val="accent1"/>
-          </a:effectRef>
-          <a:fontRef idx="minor">
-            <a:schemeClr val="lt1"/>
-          </a:fontRef>
-        </p:style>
-        <p:txBody>
-          <a:bodyPr rtlCol="0" anchor="ctr"/>
-          <a:lstStyle/>
-          <a:p>
-            <a:pPr algn="ctr"/>
-            <a:endParaRPr lang="en-US"/>
-          </a:p>
-        </p:txBody>
-      </p:sp>
-      <p:graphicFrame>
-        <p:nvGraphicFramePr>
-          <p:cNvPr id="13" name="Content Placeholder 2">
-            <a:extLst>
-              <a:ext uri="{FF2B5EF4-FFF2-40B4-BE49-F238E27FC236}">
-                <a16:creationId xmlns:a16="http://schemas.microsoft.com/office/drawing/2014/main" id="{D23E3CCC-7369-AD77-3231-236BBB33023F}"/>
-              </a:ext>
-            </a:extLst>
-          </p:cNvPr>
-          <p:cNvGraphicFramePr>
-            <a:graphicFrameLocks noGrp="1"/>
-          </p:cNvGraphicFramePr>
-          <p:nvPr>
-            <p:ph idx="1"/>
-            <p:extLst>
-              <p:ext uri="{D42A27DB-BD31-4B8C-83A1-F6EECF244321}">
-                <p14:modId xmlns:p14="http://schemas.microsoft.com/office/powerpoint/2010/main" val="1312160466"/>
-              </p:ext>
-            </p:extLst>
-          </p:nvPr>
-        </p:nvGraphicFramePr>
-        <p:xfrm>
-          <a:off x="6096000" y="168166"/>
-          <a:ext cx="6095999" cy="6463861"/>
-        </p:xfrm>
-        <a:graphic>
-          <a:graphicData uri="http://schemas.openxmlformats.org/drawingml/2006/diagram">
-            <dgm:relIds xmlns:dgm="http://schemas.openxmlformats.org/drawingml/2006/diagram" xmlns:r="http://schemas.openxmlformats.org/officeDocument/2006/relationships" r:dm="rId3" r:lo="rId4" r:qs="rId5" r:cs="rId6"/>
-          </a:graphicData>
-        </a:graphic>
-      </p:graphicFrame>
-      <p:pic>
-        <p:nvPicPr>
-          <p:cNvPr id="5" name="Picture 4">
-            <a:extLst>
-              <a:ext uri="{FF2B5EF4-FFF2-40B4-BE49-F238E27FC236}">
-                <a16:creationId xmlns:a16="http://schemas.microsoft.com/office/drawing/2014/main" id="{F30B4C52-13C3-446C-B341-D391A16F00AF}"/>
-              </a:ext>
-            </a:extLst>
-          </p:cNvPr>
-          <p:cNvPicPr>
-            <a:picLocks noChangeAspect="1"/>
-          </p:cNvPicPr>
-          <p:nvPr/>
-        </p:nvPicPr>
-        <p:blipFill>
-          <a:blip r:embed="rId8"/>
-          <a:stretch>
-            <a:fillRect/>
-          </a:stretch>
-        </p:blipFill>
-        <p:spPr>
-          <a:xfrm>
-            <a:off x="2108199" y="1049867"/>
-            <a:ext cx="1879600" cy="1892475"/>
-          </a:xfrm>
-          <a:prstGeom prst="rect">
-            <a:avLst/>
-          </a:prstGeom>
-        </p:spPr>
-      </p:pic>
-    </p:spTree>
-    <p:extLst>
-      <p:ext uri="{BB962C8B-B14F-4D97-AF65-F5344CB8AC3E}">
-        <p14:creationId xmlns:p14="http://schemas.microsoft.com/office/powerpoint/2010/main" val="3475566056"/>
-      </p:ext>
-    </p:extLst>
-  </p:cSld>
-  <p:clrMapOvr>
-    <a:masterClrMapping/>
-  </p:clrMapOvr>
-</p:sld>
-</file>
-
-<file path=ppt/slides/slide5.xml><?xml version="1.0" encoding="utf-8"?>
 <p:sld xmlns:a="http://schemas.openxmlformats.org/drawingml/2006/main" xmlns:r="http://schemas.openxmlformats.org/officeDocument/2006/relationships" xmlns:p="http://schemas.openxmlformats.org/presentationml/2006/main">
   <p:cSld>
     <p:spTree>
@@ -44881,6 +45835,414 @@
     <p:extLst>
       <p:ext uri="{BB962C8B-B14F-4D97-AF65-F5344CB8AC3E}">
         <p14:creationId xmlns:p14="http://schemas.microsoft.com/office/powerpoint/2010/main" val="245403976"/>
+      </p:ext>
+    </p:extLst>
+  </p:cSld>
+  <p:clrMapOvr>
+    <a:masterClrMapping/>
+  </p:clrMapOvr>
+</p:sld>
+</file>
+
+<file path=ppt/slides/slide4.xml><?xml version="1.0" encoding="utf-8"?>
+<p:sld xmlns:a="http://schemas.openxmlformats.org/drawingml/2006/main" xmlns:r="http://schemas.openxmlformats.org/officeDocument/2006/relationships" xmlns:p="http://schemas.openxmlformats.org/presentationml/2006/main">
+  <p:cSld>
+    <p:bg>
+      <p:bgPr>
+        <a:solidFill>
+          <a:schemeClr val="bg1"/>
+        </a:solidFill>
+        <a:effectLst/>
+      </p:bgPr>
+    </p:bg>
+    <p:spTree>
+      <p:nvGrpSpPr>
+        <p:cNvPr id="1" name=""/>
+        <p:cNvGrpSpPr/>
+        <p:nvPr/>
+      </p:nvGrpSpPr>
+      <p:grpSpPr>
+        <a:xfrm>
+          <a:off x="0" y="0"/>
+          <a:ext cx="0" cy="0"/>
+          <a:chOff x="0" y="0"/>
+          <a:chExt cx="0" cy="0"/>
+        </a:xfrm>
+      </p:grpSpPr>
+      <p:sp>
+        <p:nvSpPr>
+          <p:cNvPr id="2" name="Title 1">
+            <a:extLst>
+              <a:ext uri="{FF2B5EF4-FFF2-40B4-BE49-F238E27FC236}">
+                <a16:creationId xmlns:a16="http://schemas.microsoft.com/office/drawing/2014/main" id="{F6681168-643D-41C4-B6E2-CB509CD498D2}"/>
+              </a:ext>
+            </a:extLst>
+          </p:cNvPr>
+          <p:cNvSpPr>
+            <a:spLocks noGrp="1"/>
+          </p:cNvSpPr>
+          <p:nvPr>
+            <p:ph type="title"/>
+          </p:nvPr>
+        </p:nvSpPr>
+        <p:spPr>
+          <a:xfrm>
+            <a:off x="643465" y="3433763"/>
+            <a:ext cx="4809068" cy="2743200"/>
+          </a:xfrm>
+        </p:spPr>
+        <p:txBody>
+          <a:bodyPr anchor="t">
+            <a:normAutofit/>
+          </a:bodyPr>
+          <a:lstStyle/>
+          <a:p>
+            <a:pPr algn="ctr"/>
+            <a:r>
+              <a:rPr lang="es-ES" sz="5400" dirty="0">
+                <a:solidFill>
+                  <a:schemeClr val="accent1"/>
+                </a:solidFill>
+                <a:latin typeface="Arial" panose="020B0604020202020204" pitchFamily="34" charset="0"/>
+                <a:cs typeface="Arial" panose="020B0604020202020204" pitchFamily="34" charset="0"/>
+              </a:rPr>
+              <a:t>Objetivos (I)</a:t>
+            </a:r>
+          </a:p>
+        </p:txBody>
+      </p:sp>
+      <p:sp>
+        <p:nvSpPr>
+          <p:cNvPr id="10" name="Rectangle 9">
+            <a:extLst>
+              <a:ext uri="{FF2B5EF4-FFF2-40B4-BE49-F238E27FC236}">
+                <a16:creationId xmlns:a16="http://schemas.microsoft.com/office/drawing/2014/main" id="{73144208-AAFC-4C3A-A4F1-EF3D72AF4C4C}"/>
+              </a:ext>
+              <a:ext uri="{C183D7F6-B498-43B3-948B-1728B52AA6E4}">
+                <adec:decorative xmlns:adec="http://schemas.microsoft.com/office/drawing/2017/decorative" val="1"/>
+              </a:ext>
+            </a:extLst>
+          </p:cNvPr>
+          <p:cNvSpPr>
+            <a:spLocks noGrp="1" noRot="1" noChangeAspect="1" noMove="1" noResize="1" noEditPoints="1" noAdjustHandles="1" noChangeArrowheads="1" noChangeShapeType="1" noTextEdit="1"/>
+          </p:cNvSpPr>
+          <p:nvPr>
+            <p:extLst>
+              <p:ext uri="{386F3935-93C4-4BCD-93E2-E3B085C9AB24}">
+                <p16:designElem xmlns:p16="http://schemas.microsoft.com/office/powerpoint/2015/main" val="1"/>
+              </p:ext>
+            </p:extLst>
+          </p:nvPr>
+        </p:nvSpPr>
+        <p:spPr>
+          <a:xfrm>
+            <a:off x="6096000" y="0"/>
+            <a:ext cx="6096001" cy="6858000"/>
+          </a:xfrm>
+          <a:prstGeom prst="rect">
+            <a:avLst/>
+          </a:prstGeom>
+          <a:solidFill>
+            <a:schemeClr val="bg2"/>
+          </a:solidFill>
+          <a:ln>
+            <a:noFill/>
+          </a:ln>
+        </p:spPr>
+        <p:style>
+          <a:lnRef idx="2">
+            <a:schemeClr val="accent1">
+              <a:shade val="50000"/>
+            </a:schemeClr>
+          </a:lnRef>
+          <a:fillRef idx="1">
+            <a:schemeClr val="accent1"/>
+          </a:fillRef>
+          <a:effectRef idx="0">
+            <a:schemeClr val="accent1"/>
+          </a:effectRef>
+          <a:fontRef idx="minor">
+            <a:schemeClr val="lt1"/>
+          </a:fontRef>
+        </p:style>
+        <p:txBody>
+          <a:bodyPr rtlCol="0" anchor="ctr"/>
+          <a:lstStyle/>
+          <a:p>
+            <a:pPr algn="ctr"/>
+            <a:endParaRPr lang="en-US"/>
+          </a:p>
+        </p:txBody>
+      </p:sp>
+      <p:graphicFrame>
+        <p:nvGraphicFramePr>
+          <p:cNvPr id="13" name="Content Placeholder 2">
+            <a:extLst>
+              <a:ext uri="{FF2B5EF4-FFF2-40B4-BE49-F238E27FC236}">
+                <a16:creationId xmlns:a16="http://schemas.microsoft.com/office/drawing/2014/main" id="{D23E3CCC-7369-AD77-3231-236BBB33023F}"/>
+              </a:ext>
+            </a:extLst>
+          </p:cNvPr>
+          <p:cNvGraphicFramePr>
+            <a:graphicFrameLocks noGrp="1"/>
+          </p:cNvGraphicFramePr>
+          <p:nvPr>
+            <p:ph idx="1"/>
+            <p:extLst>
+              <p:ext uri="{D42A27DB-BD31-4B8C-83A1-F6EECF244321}">
+                <p14:modId xmlns:p14="http://schemas.microsoft.com/office/powerpoint/2010/main" val="2390187293"/>
+              </p:ext>
+            </p:extLst>
+          </p:nvPr>
+        </p:nvGraphicFramePr>
+        <p:xfrm>
+          <a:off x="6096000" y="168166"/>
+          <a:ext cx="6095999" cy="6463861"/>
+        </p:xfrm>
+        <a:graphic>
+          <a:graphicData uri="http://schemas.openxmlformats.org/drawingml/2006/diagram">
+            <dgm:relIds xmlns:dgm="http://schemas.openxmlformats.org/drawingml/2006/diagram" xmlns:r="http://schemas.openxmlformats.org/officeDocument/2006/relationships" r:dm="rId3" r:lo="rId4" r:qs="rId5" r:cs="rId6"/>
+          </a:graphicData>
+        </a:graphic>
+      </p:graphicFrame>
+      <p:pic>
+        <p:nvPicPr>
+          <p:cNvPr id="5" name="Picture 4">
+            <a:extLst>
+              <a:ext uri="{FF2B5EF4-FFF2-40B4-BE49-F238E27FC236}">
+                <a16:creationId xmlns:a16="http://schemas.microsoft.com/office/drawing/2014/main" id="{F30B4C52-13C3-446C-B341-D391A16F00AF}"/>
+              </a:ext>
+            </a:extLst>
+          </p:cNvPr>
+          <p:cNvPicPr>
+            <a:picLocks noChangeAspect="1"/>
+          </p:cNvPicPr>
+          <p:nvPr/>
+        </p:nvPicPr>
+        <p:blipFill>
+          <a:blip r:embed="rId8"/>
+          <a:stretch>
+            <a:fillRect/>
+          </a:stretch>
+        </p:blipFill>
+        <p:spPr>
+          <a:xfrm>
+            <a:off x="2108199" y="1049867"/>
+            <a:ext cx="1879600" cy="1892475"/>
+          </a:xfrm>
+          <a:prstGeom prst="rect">
+            <a:avLst/>
+          </a:prstGeom>
+        </p:spPr>
+      </p:pic>
+    </p:spTree>
+    <p:extLst>
+      <p:ext uri="{BB962C8B-B14F-4D97-AF65-F5344CB8AC3E}">
+        <p14:creationId xmlns:p14="http://schemas.microsoft.com/office/powerpoint/2010/main" val="1534835535"/>
+      </p:ext>
+    </p:extLst>
+  </p:cSld>
+  <p:clrMapOvr>
+    <a:masterClrMapping/>
+  </p:clrMapOvr>
+</p:sld>
+</file>
+
+<file path=ppt/slides/slide5.xml><?xml version="1.0" encoding="utf-8"?>
+<p:sld xmlns:a="http://schemas.openxmlformats.org/drawingml/2006/main" xmlns:r="http://schemas.openxmlformats.org/officeDocument/2006/relationships" xmlns:p="http://schemas.openxmlformats.org/presentationml/2006/main">
+  <p:cSld>
+    <p:bg>
+      <p:bgPr>
+        <a:solidFill>
+          <a:schemeClr val="bg1"/>
+        </a:solidFill>
+        <a:effectLst/>
+      </p:bgPr>
+    </p:bg>
+    <p:spTree>
+      <p:nvGrpSpPr>
+        <p:cNvPr id="1" name=""/>
+        <p:cNvGrpSpPr/>
+        <p:nvPr/>
+      </p:nvGrpSpPr>
+      <p:grpSpPr>
+        <a:xfrm>
+          <a:off x="0" y="0"/>
+          <a:ext cx="0" cy="0"/>
+          <a:chOff x="0" y="0"/>
+          <a:chExt cx="0" cy="0"/>
+        </a:xfrm>
+      </p:grpSpPr>
+      <p:sp>
+        <p:nvSpPr>
+          <p:cNvPr id="2" name="Title 1">
+            <a:extLst>
+              <a:ext uri="{FF2B5EF4-FFF2-40B4-BE49-F238E27FC236}">
+                <a16:creationId xmlns:a16="http://schemas.microsoft.com/office/drawing/2014/main" id="{F6681168-643D-41C4-B6E2-CB509CD498D2}"/>
+              </a:ext>
+            </a:extLst>
+          </p:cNvPr>
+          <p:cNvSpPr>
+            <a:spLocks noGrp="1"/>
+          </p:cNvSpPr>
+          <p:nvPr>
+            <p:ph type="title"/>
+          </p:nvPr>
+        </p:nvSpPr>
+        <p:spPr>
+          <a:xfrm>
+            <a:off x="643465" y="3433763"/>
+            <a:ext cx="4809068" cy="2743200"/>
+          </a:xfrm>
+        </p:spPr>
+        <p:txBody>
+          <a:bodyPr anchor="t">
+            <a:normAutofit/>
+          </a:bodyPr>
+          <a:lstStyle/>
+          <a:p>
+            <a:pPr algn="ctr"/>
+            <a:r>
+              <a:rPr lang="es-ES" sz="5400" dirty="0">
+                <a:solidFill>
+                  <a:schemeClr val="accent1"/>
+                </a:solidFill>
+                <a:latin typeface="Arial" panose="020B0604020202020204" pitchFamily="34" charset="0"/>
+                <a:cs typeface="Arial" panose="020B0604020202020204" pitchFamily="34" charset="0"/>
+              </a:rPr>
+              <a:t>Objetivos (II)</a:t>
+            </a:r>
+          </a:p>
+        </p:txBody>
+      </p:sp>
+      <p:sp>
+        <p:nvSpPr>
+          <p:cNvPr id="10" name="Rectangle 9">
+            <a:extLst>
+              <a:ext uri="{FF2B5EF4-FFF2-40B4-BE49-F238E27FC236}">
+                <a16:creationId xmlns:a16="http://schemas.microsoft.com/office/drawing/2014/main" id="{73144208-AAFC-4C3A-A4F1-EF3D72AF4C4C}"/>
+              </a:ext>
+              <a:ext uri="{C183D7F6-B498-43B3-948B-1728B52AA6E4}">
+                <adec:decorative xmlns:adec="http://schemas.microsoft.com/office/drawing/2017/decorative" val="1"/>
+              </a:ext>
+            </a:extLst>
+          </p:cNvPr>
+          <p:cNvSpPr>
+            <a:spLocks noGrp="1" noRot="1" noChangeAspect="1" noMove="1" noResize="1" noEditPoints="1" noAdjustHandles="1" noChangeArrowheads="1" noChangeShapeType="1" noTextEdit="1"/>
+          </p:cNvSpPr>
+          <p:nvPr>
+            <p:extLst>
+              <p:ext uri="{386F3935-93C4-4BCD-93E2-E3B085C9AB24}">
+                <p16:designElem xmlns:p16="http://schemas.microsoft.com/office/powerpoint/2015/main" val="1"/>
+              </p:ext>
+            </p:extLst>
+          </p:nvPr>
+        </p:nvSpPr>
+        <p:spPr>
+          <a:xfrm>
+            <a:off x="6096000" y="0"/>
+            <a:ext cx="6096001" cy="6858000"/>
+          </a:xfrm>
+          <a:prstGeom prst="rect">
+            <a:avLst/>
+          </a:prstGeom>
+          <a:solidFill>
+            <a:schemeClr val="bg2"/>
+          </a:solidFill>
+          <a:ln>
+            <a:noFill/>
+          </a:ln>
+        </p:spPr>
+        <p:style>
+          <a:lnRef idx="2">
+            <a:schemeClr val="accent1">
+              <a:shade val="50000"/>
+            </a:schemeClr>
+          </a:lnRef>
+          <a:fillRef idx="1">
+            <a:schemeClr val="accent1"/>
+          </a:fillRef>
+          <a:effectRef idx="0">
+            <a:schemeClr val="accent1"/>
+          </a:effectRef>
+          <a:fontRef idx="minor">
+            <a:schemeClr val="lt1"/>
+          </a:fontRef>
+        </p:style>
+        <p:txBody>
+          <a:bodyPr rtlCol="0" anchor="ctr"/>
+          <a:lstStyle/>
+          <a:p>
+            <a:pPr algn="ctr"/>
+            <a:endParaRPr lang="en-US"/>
+          </a:p>
+        </p:txBody>
+      </p:sp>
+      <p:graphicFrame>
+        <p:nvGraphicFramePr>
+          <p:cNvPr id="13" name="Content Placeholder 2">
+            <a:extLst>
+              <a:ext uri="{FF2B5EF4-FFF2-40B4-BE49-F238E27FC236}">
+                <a16:creationId xmlns:a16="http://schemas.microsoft.com/office/drawing/2014/main" id="{D23E3CCC-7369-AD77-3231-236BBB33023F}"/>
+              </a:ext>
+            </a:extLst>
+          </p:cNvPr>
+          <p:cNvGraphicFramePr>
+            <a:graphicFrameLocks noGrp="1"/>
+          </p:cNvGraphicFramePr>
+          <p:nvPr>
+            <p:ph idx="1"/>
+            <p:extLst>
+              <p:ext uri="{D42A27DB-BD31-4B8C-83A1-F6EECF244321}">
+                <p14:modId xmlns:p14="http://schemas.microsoft.com/office/powerpoint/2010/main" val="1312160466"/>
+              </p:ext>
+            </p:extLst>
+          </p:nvPr>
+        </p:nvGraphicFramePr>
+        <p:xfrm>
+          <a:off x="6096000" y="168166"/>
+          <a:ext cx="6095999" cy="6463861"/>
+        </p:xfrm>
+        <a:graphic>
+          <a:graphicData uri="http://schemas.openxmlformats.org/drawingml/2006/diagram">
+            <dgm:relIds xmlns:dgm="http://schemas.openxmlformats.org/drawingml/2006/diagram" xmlns:r="http://schemas.openxmlformats.org/officeDocument/2006/relationships" r:dm="rId3" r:lo="rId4" r:qs="rId5" r:cs="rId6"/>
+          </a:graphicData>
+        </a:graphic>
+      </p:graphicFrame>
+      <p:pic>
+        <p:nvPicPr>
+          <p:cNvPr id="5" name="Picture 4">
+            <a:extLst>
+              <a:ext uri="{FF2B5EF4-FFF2-40B4-BE49-F238E27FC236}">
+                <a16:creationId xmlns:a16="http://schemas.microsoft.com/office/drawing/2014/main" id="{F30B4C52-13C3-446C-B341-D391A16F00AF}"/>
+              </a:ext>
+            </a:extLst>
+          </p:cNvPr>
+          <p:cNvPicPr>
+            <a:picLocks noChangeAspect="1"/>
+          </p:cNvPicPr>
+          <p:nvPr/>
+        </p:nvPicPr>
+        <p:blipFill>
+          <a:blip r:embed="rId8"/>
+          <a:stretch>
+            <a:fillRect/>
+          </a:stretch>
+        </p:blipFill>
+        <p:spPr>
+          <a:xfrm>
+            <a:off x="2108199" y="1049867"/>
+            <a:ext cx="1879600" cy="1892475"/>
+          </a:xfrm>
+          <a:prstGeom prst="rect">
+            <a:avLst/>
+          </a:prstGeom>
+        </p:spPr>
+      </p:pic>
+    </p:spTree>
+    <p:extLst>
+      <p:ext uri="{BB962C8B-B14F-4D97-AF65-F5344CB8AC3E}">
+        <p14:creationId xmlns:p14="http://schemas.microsoft.com/office/powerpoint/2010/main" val="3475566056"/>
       </p:ext>
     </p:extLst>
   </p:cSld>
@@ -46121,7 +47483,7 @@
           <p:nvPr/>
         </p:nvPicPr>
         <p:blipFill>
-          <a:blip r:embed="rId2">
+          <a:blip r:embed="rId3">
             <a:extLst>
               <a:ext uri="{28A0092B-C50C-407E-A947-70E740481C1C}">
                 <a14:useLocalDpi xmlns:a14="http://schemas.microsoft.com/office/drawing/2010/main" val="0"/>
